--- a/PLPTH813Bioinformatis/2019/labs/lab02_unix.pptx
+++ b/PLPTH813Bioinformatis/2019/labs/lab02_unix.pptx
@@ -132,6 +132,22 @@
       </a:defRPr>
     </a:lvl9pPr>
   </p:defaultTextStyle>
+  <p:extLst>
+    <p:ext uri="{EFAFB233-063F-42B5-8137-9DF3F51BA10A}">
+      <p15:sldGuideLst xmlns:p15="http://schemas.microsoft.com/office/powerpoint/2012/main">
+        <p15:guide id="1" orient="horz" pos="2160">
+          <p15:clr>
+            <a:srgbClr val="A4A3A4"/>
+          </p15:clr>
+        </p15:guide>
+        <p15:guide id="2" pos="2880">
+          <p15:clr>
+            <a:srgbClr val="A4A3A4"/>
+          </p15:clr>
+        </p15:guide>
+      </p15:sldGuideLst>
+    </p:ext>
+  </p:extLst>
 </p:presentation>
 </file>
 
@@ -217,7 +233,7 @@
           <a:p>
             <a:fld id="{08E6E0A8-E17C-C949-B17E-7A1A6494483A}" type="datetimeFigureOut">
               <a:rPr lang="en-US" smtClean="0"/>
-              <a:t>1/30/19</a:t>
+              <a:t>2/9/21</a:t>
             </a:fld>
             <a:endParaRPr lang="en-US"/>
           </a:p>
@@ -281,38 +297,37 @@
           <a:p>
             <a:pPr lvl="0"/>
             <a:r>
-              <a:rPr lang="en-US" smtClean="0"/>
+              <a:rPr lang="en-US"/>
               <a:t>Click to edit Master text styles</a:t>
             </a:r>
           </a:p>
           <a:p>
             <a:pPr lvl="1"/>
             <a:r>
-              <a:rPr lang="en-US" smtClean="0"/>
+              <a:rPr lang="en-US"/>
               <a:t>Second level</a:t>
             </a:r>
           </a:p>
           <a:p>
             <a:pPr lvl="2"/>
             <a:r>
-              <a:rPr lang="en-US" smtClean="0"/>
+              <a:rPr lang="en-US"/>
               <a:t>Third level</a:t>
             </a:r>
           </a:p>
           <a:p>
             <a:pPr lvl="3"/>
             <a:r>
-              <a:rPr lang="en-US" smtClean="0"/>
+              <a:rPr lang="en-US"/>
               <a:t>Fourth level</a:t>
             </a:r>
           </a:p>
           <a:p>
             <a:pPr lvl="4"/>
             <a:r>
-              <a:rPr lang="en-US" smtClean="0"/>
+              <a:rPr lang="en-US"/>
               <a:t>Fifth level</a:t>
             </a:r>
-            <a:endParaRPr lang="en-US"/>
           </a:p>
         </p:txBody>
       </p:sp>
@@ -523,10 +538,9 @@
           <a:lstStyle/>
           <a:p>
             <a:r>
-              <a:rPr lang="en-US" dirty="0" smtClean="0"/>
+              <a:rPr lang="en-US" dirty="0"/>
               <a:t>Click to edit Master title style</a:t>
             </a:r>
-            <a:endParaRPr lang="en-US" dirty="0"/>
           </a:p>
         </p:txBody>
       </p:sp>
@@ -642,10 +656,9 @@
           </a:lstStyle>
           <a:p>
             <a:r>
-              <a:rPr lang="en-US" dirty="0" smtClean="0"/>
+              <a:rPr lang="en-US" dirty="0"/>
               <a:t>Click to edit Master subtitle style</a:t>
             </a:r>
-            <a:endParaRPr lang="en-US" dirty="0"/>
           </a:p>
         </p:txBody>
       </p:sp>
@@ -666,7 +679,7 @@
           <a:p>
             <a:fld id="{42B8B0BE-C8D7-EB48-AD68-71DB5002F24B}" type="datetimeFigureOut">
               <a:rPr lang="en-US" smtClean="0"/>
-              <a:t>1/30/19</a:t>
+              <a:t>2/9/21</a:t>
             </a:fld>
             <a:endParaRPr lang="en-US"/>
           </a:p>
@@ -760,10 +773,9 @@
           <a:lstStyle/>
           <a:p>
             <a:r>
-              <a:rPr lang="en-US" smtClean="0"/>
+              <a:rPr lang="en-US"/>
               <a:t>Click to edit Master title style</a:t>
             </a:r>
-            <a:endParaRPr lang="en-US"/>
           </a:p>
         </p:txBody>
       </p:sp>
@@ -784,38 +796,37 @@
           <a:p>
             <a:pPr lvl="0"/>
             <a:r>
-              <a:rPr lang="en-US" smtClean="0"/>
+              <a:rPr lang="en-US"/>
               <a:t>Click to edit Master text styles</a:t>
             </a:r>
           </a:p>
           <a:p>
             <a:pPr lvl="1"/>
             <a:r>
-              <a:rPr lang="en-US" smtClean="0"/>
+              <a:rPr lang="en-US"/>
               <a:t>Second level</a:t>
             </a:r>
           </a:p>
           <a:p>
             <a:pPr lvl="2"/>
             <a:r>
-              <a:rPr lang="en-US" smtClean="0"/>
+              <a:rPr lang="en-US"/>
               <a:t>Third level</a:t>
             </a:r>
           </a:p>
           <a:p>
             <a:pPr lvl="3"/>
             <a:r>
-              <a:rPr lang="en-US" smtClean="0"/>
+              <a:rPr lang="en-US"/>
               <a:t>Fourth level</a:t>
             </a:r>
           </a:p>
           <a:p>
             <a:pPr lvl="4"/>
             <a:r>
-              <a:rPr lang="en-US" smtClean="0"/>
+              <a:rPr lang="en-US"/>
               <a:t>Fifth level</a:t>
             </a:r>
-            <a:endParaRPr lang="en-US"/>
           </a:p>
         </p:txBody>
       </p:sp>
@@ -836,7 +847,7 @@
           <a:p>
             <a:fld id="{42B8B0BE-C8D7-EB48-AD68-71DB5002F24B}" type="datetimeFigureOut">
               <a:rPr lang="en-US" smtClean="0"/>
-              <a:t>1/30/19</a:t>
+              <a:t>2/9/21</a:t>
             </a:fld>
             <a:endParaRPr lang="en-US"/>
           </a:p>
@@ -935,10 +946,9 @@
           <a:lstStyle/>
           <a:p>
             <a:r>
-              <a:rPr lang="en-US" smtClean="0"/>
+              <a:rPr lang="en-US"/>
               <a:t>Click to edit Master title style</a:t>
             </a:r>
-            <a:endParaRPr lang="en-US"/>
           </a:p>
         </p:txBody>
       </p:sp>
@@ -964,38 +974,37 @@
           <a:p>
             <a:pPr lvl="0"/>
             <a:r>
-              <a:rPr lang="en-US" smtClean="0"/>
+              <a:rPr lang="en-US"/>
               <a:t>Click to edit Master text styles</a:t>
             </a:r>
           </a:p>
           <a:p>
             <a:pPr lvl="1"/>
             <a:r>
-              <a:rPr lang="en-US" smtClean="0"/>
+              <a:rPr lang="en-US"/>
               <a:t>Second level</a:t>
             </a:r>
           </a:p>
           <a:p>
             <a:pPr lvl="2"/>
             <a:r>
-              <a:rPr lang="en-US" smtClean="0"/>
+              <a:rPr lang="en-US"/>
               <a:t>Third level</a:t>
             </a:r>
           </a:p>
           <a:p>
             <a:pPr lvl="3"/>
             <a:r>
-              <a:rPr lang="en-US" smtClean="0"/>
+              <a:rPr lang="en-US"/>
               <a:t>Fourth level</a:t>
             </a:r>
           </a:p>
           <a:p>
             <a:pPr lvl="4"/>
             <a:r>
-              <a:rPr lang="en-US" smtClean="0"/>
+              <a:rPr lang="en-US"/>
               <a:t>Fifth level</a:t>
             </a:r>
-            <a:endParaRPr lang="en-US"/>
           </a:p>
         </p:txBody>
       </p:sp>
@@ -1016,7 +1025,7 @@
           <a:p>
             <a:fld id="{42B8B0BE-C8D7-EB48-AD68-71DB5002F24B}" type="datetimeFigureOut">
               <a:rPr lang="en-US" smtClean="0"/>
-              <a:t>1/30/19</a:t>
+              <a:t>2/9/21</a:t>
             </a:fld>
             <a:endParaRPr lang="en-US"/>
           </a:p>
@@ -1110,10 +1119,9 @@
           <a:lstStyle/>
           <a:p>
             <a:r>
-              <a:rPr lang="en-US" smtClean="0"/>
+              <a:rPr lang="en-US"/>
               <a:t>Click to edit Master title style</a:t>
             </a:r>
-            <a:endParaRPr lang="en-US"/>
           </a:p>
         </p:txBody>
       </p:sp>
@@ -1134,38 +1142,37 @@
           <a:p>
             <a:pPr lvl="0"/>
             <a:r>
-              <a:rPr lang="en-US" smtClean="0"/>
+              <a:rPr lang="en-US"/>
               <a:t>Click to edit Master text styles</a:t>
             </a:r>
           </a:p>
           <a:p>
             <a:pPr lvl="1"/>
             <a:r>
-              <a:rPr lang="en-US" smtClean="0"/>
+              <a:rPr lang="en-US"/>
               <a:t>Second level</a:t>
             </a:r>
           </a:p>
           <a:p>
             <a:pPr lvl="2"/>
             <a:r>
-              <a:rPr lang="en-US" smtClean="0"/>
+              <a:rPr lang="en-US"/>
               <a:t>Third level</a:t>
             </a:r>
           </a:p>
           <a:p>
             <a:pPr lvl="3"/>
             <a:r>
-              <a:rPr lang="en-US" smtClean="0"/>
+              <a:rPr lang="en-US"/>
               <a:t>Fourth level</a:t>
             </a:r>
           </a:p>
           <a:p>
             <a:pPr lvl="4"/>
             <a:r>
-              <a:rPr lang="en-US" smtClean="0"/>
+              <a:rPr lang="en-US"/>
               <a:t>Fifth level</a:t>
             </a:r>
-            <a:endParaRPr lang="en-US"/>
           </a:p>
         </p:txBody>
       </p:sp>
@@ -1186,7 +1193,7 @@
           <a:p>
             <a:fld id="{42B8B0BE-C8D7-EB48-AD68-71DB5002F24B}" type="datetimeFigureOut">
               <a:rPr lang="en-US" smtClean="0"/>
-              <a:t>1/30/19</a:t>
+              <a:t>2/9/21</a:t>
             </a:fld>
             <a:endParaRPr lang="en-US"/>
           </a:p>
@@ -1289,10 +1296,9 @@
           </a:lstStyle>
           <a:p>
             <a:r>
-              <a:rPr lang="en-US" smtClean="0"/>
+              <a:rPr lang="en-US"/>
               <a:t>Click to edit Master title style</a:t>
             </a:r>
-            <a:endParaRPr lang="en-US"/>
           </a:p>
         </p:txBody>
       </p:sp>
@@ -1409,7 +1415,7 @@
           <a:p>
             <a:pPr lvl="0"/>
             <a:r>
-              <a:rPr lang="en-US" smtClean="0"/>
+              <a:rPr lang="en-US"/>
               <a:t>Click to edit Master text styles</a:t>
             </a:r>
           </a:p>
@@ -1432,7 +1438,7 @@
           <a:p>
             <a:fld id="{42B8B0BE-C8D7-EB48-AD68-71DB5002F24B}" type="datetimeFigureOut">
               <a:rPr lang="en-US" smtClean="0"/>
-              <a:t>1/30/19</a:t>
+              <a:t>2/9/21</a:t>
             </a:fld>
             <a:endParaRPr lang="en-US"/>
           </a:p>
@@ -1526,10 +1532,9 @@
           <a:lstStyle/>
           <a:p>
             <a:r>
-              <a:rPr lang="en-US" smtClean="0"/>
+              <a:rPr lang="en-US"/>
               <a:t>Click to edit Master title style</a:t>
             </a:r>
-            <a:endParaRPr lang="en-US"/>
           </a:p>
         </p:txBody>
       </p:sp>
@@ -1583,38 +1588,37 @@
           <a:p>
             <a:pPr lvl="0"/>
             <a:r>
-              <a:rPr lang="en-US" smtClean="0"/>
+              <a:rPr lang="en-US"/>
               <a:t>Click to edit Master text styles</a:t>
             </a:r>
           </a:p>
           <a:p>
             <a:pPr lvl="1"/>
             <a:r>
-              <a:rPr lang="en-US" smtClean="0"/>
+              <a:rPr lang="en-US"/>
               <a:t>Second level</a:t>
             </a:r>
           </a:p>
           <a:p>
             <a:pPr lvl="2"/>
             <a:r>
-              <a:rPr lang="en-US" smtClean="0"/>
+              <a:rPr lang="en-US"/>
               <a:t>Third level</a:t>
             </a:r>
           </a:p>
           <a:p>
             <a:pPr lvl="3"/>
             <a:r>
-              <a:rPr lang="en-US" smtClean="0"/>
+              <a:rPr lang="en-US"/>
               <a:t>Fourth level</a:t>
             </a:r>
           </a:p>
           <a:p>
             <a:pPr lvl="4"/>
             <a:r>
-              <a:rPr lang="en-US" smtClean="0"/>
+              <a:rPr lang="en-US"/>
               <a:t>Fifth level</a:t>
             </a:r>
-            <a:endParaRPr lang="en-US"/>
           </a:p>
         </p:txBody>
       </p:sp>
@@ -1668,38 +1672,37 @@
           <a:p>
             <a:pPr lvl="0"/>
             <a:r>
-              <a:rPr lang="en-US" smtClean="0"/>
+              <a:rPr lang="en-US"/>
               <a:t>Click to edit Master text styles</a:t>
             </a:r>
           </a:p>
           <a:p>
             <a:pPr lvl="1"/>
             <a:r>
-              <a:rPr lang="en-US" smtClean="0"/>
+              <a:rPr lang="en-US"/>
               <a:t>Second level</a:t>
             </a:r>
           </a:p>
           <a:p>
             <a:pPr lvl="2"/>
             <a:r>
-              <a:rPr lang="en-US" smtClean="0"/>
+              <a:rPr lang="en-US"/>
               <a:t>Third level</a:t>
             </a:r>
           </a:p>
           <a:p>
             <a:pPr lvl="3"/>
             <a:r>
-              <a:rPr lang="en-US" smtClean="0"/>
+              <a:rPr lang="en-US"/>
               <a:t>Fourth level</a:t>
             </a:r>
           </a:p>
           <a:p>
             <a:pPr lvl="4"/>
             <a:r>
-              <a:rPr lang="en-US" smtClean="0"/>
+              <a:rPr lang="en-US"/>
               <a:t>Fifth level</a:t>
             </a:r>
-            <a:endParaRPr lang="en-US"/>
           </a:p>
         </p:txBody>
       </p:sp>
@@ -1720,7 +1723,7 @@
           <a:p>
             <a:fld id="{42B8B0BE-C8D7-EB48-AD68-71DB5002F24B}" type="datetimeFigureOut">
               <a:rPr lang="en-US" smtClean="0"/>
-              <a:t>1/30/19</a:t>
+              <a:t>2/9/21</a:t>
             </a:fld>
             <a:endParaRPr lang="en-US"/>
           </a:p>
@@ -1818,10 +1821,9 @@
           </a:lstStyle>
           <a:p>
             <a:r>
-              <a:rPr lang="en-US" smtClean="0"/>
+              <a:rPr lang="en-US"/>
               <a:t>Click to edit Master title style</a:t>
             </a:r>
-            <a:endParaRPr lang="en-US"/>
           </a:p>
         </p:txBody>
       </p:sp>
@@ -1884,7 +1886,7 @@
           <a:p>
             <a:pPr lvl="0"/>
             <a:r>
-              <a:rPr lang="en-US" smtClean="0"/>
+              <a:rPr lang="en-US"/>
               <a:t>Click to edit Master text styles</a:t>
             </a:r>
           </a:p>
@@ -1940,38 +1942,37 @@
           <a:p>
             <a:pPr lvl="0"/>
             <a:r>
-              <a:rPr lang="en-US" smtClean="0"/>
+              <a:rPr lang="en-US"/>
               <a:t>Click to edit Master text styles</a:t>
             </a:r>
           </a:p>
           <a:p>
             <a:pPr lvl="1"/>
             <a:r>
-              <a:rPr lang="en-US" smtClean="0"/>
+              <a:rPr lang="en-US"/>
               <a:t>Second level</a:t>
             </a:r>
           </a:p>
           <a:p>
             <a:pPr lvl="2"/>
             <a:r>
-              <a:rPr lang="en-US" smtClean="0"/>
+              <a:rPr lang="en-US"/>
               <a:t>Third level</a:t>
             </a:r>
           </a:p>
           <a:p>
             <a:pPr lvl="3"/>
             <a:r>
-              <a:rPr lang="en-US" smtClean="0"/>
+              <a:rPr lang="en-US"/>
               <a:t>Fourth level</a:t>
             </a:r>
           </a:p>
           <a:p>
             <a:pPr lvl="4"/>
             <a:r>
-              <a:rPr lang="en-US" smtClean="0"/>
+              <a:rPr lang="en-US"/>
               <a:t>Fifth level</a:t>
             </a:r>
-            <a:endParaRPr lang="en-US"/>
           </a:p>
         </p:txBody>
       </p:sp>
@@ -2034,7 +2035,7 @@
           <a:p>
             <a:pPr lvl="0"/>
             <a:r>
-              <a:rPr lang="en-US" smtClean="0"/>
+              <a:rPr lang="en-US"/>
               <a:t>Click to edit Master text styles</a:t>
             </a:r>
           </a:p>
@@ -2090,38 +2091,37 @@
           <a:p>
             <a:pPr lvl="0"/>
             <a:r>
-              <a:rPr lang="en-US" smtClean="0"/>
+              <a:rPr lang="en-US"/>
               <a:t>Click to edit Master text styles</a:t>
             </a:r>
           </a:p>
           <a:p>
             <a:pPr lvl="1"/>
             <a:r>
-              <a:rPr lang="en-US" smtClean="0"/>
+              <a:rPr lang="en-US"/>
               <a:t>Second level</a:t>
             </a:r>
           </a:p>
           <a:p>
             <a:pPr lvl="2"/>
             <a:r>
-              <a:rPr lang="en-US" smtClean="0"/>
+              <a:rPr lang="en-US"/>
               <a:t>Third level</a:t>
             </a:r>
           </a:p>
           <a:p>
             <a:pPr lvl="3"/>
             <a:r>
-              <a:rPr lang="en-US" smtClean="0"/>
+              <a:rPr lang="en-US"/>
               <a:t>Fourth level</a:t>
             </a:r>
           </a:p>
           <a:p>
             <a:pPr lvl="4"/>
             <a:r>
-              <a:rPr lang="en-US" smtClean="0"/>
+              <a:rPr lang="en-US"/>
               <a:t>Fifth level</a:t>
             </a:r>
-            <a:endParaRPr lang="en-US"/>
           </a:p>
         </p:txBody>
       </p:sp>
@@ -2142,7 +2142,7 @@
           <a:p>
             <a:fld id="{42B8B0BE-C8D7-EB48-AD68-71DB5002F24B}" type="datetimeFigureOut">
               <a:rPr lang="en-US" smtClean="0"/>
-              <a:t>1/30/19</a:t>
+              <a:t>2/9/21</a:t>
             </a:fld>
             <a:endParaRPr lang="en-US"/>
           </a:p>
@@ -2236,10 +2236,9 @@
           <a:lstStyle/>
           <a:p>
             <a:r>
-              <a:rPr lang="en-US" smtClean="0"/>
+              <a:rPr lang="en-US"/>
               <a:t>Click to edit Master title style</a:t>
             </a:r>
-            <a:endParaRPr lang="en-US"/>
           </a:p>
         </p:txBody>
       </p:sp>
@@ -2260,7 +2259,7 @@
           <a:p>
             <a:fld id="{42B8B0BE-C8D7-EB48-AD68-71DB5002F24B}" type="datetimeFigureOut">
               <a:rPr lang="en-US" smtClean="0"/>
-              <a:t>1/30/19</a:t>
+              <a:t>2/9/21</a:t>
             </a:fld>
             <a:endParaRPr lang="en-US"/>
           </a:p>
@@ -2355,7 +2354,7 @@
           <a:p>
             <a:fld id="{42B8B0BE-C8D7-EB48-AD68-71DB5002F24B}" type="datetimeFigureOut">
               <a:rPr lang="en-US" smtClean="0"/>
-              <a:t>1/30/19</a:t>
+              <a:t>2/9/21</a:t>
             </a:fld>
             <a:endParaRPr lang="en-US"/>
           </a:p>
@@ -2458,10 +2457,9 @@
           </a:lstStyle>
           <a:p>
             <a:r>
-              <a:rPr lang="en-US" smtClean="0"/>
+              <a:rPr lang="en-US"/>
               <a:t>Click to edit Master title style</a:t>
             </a:r>
-            <a:endParaRPr lang="en-US"/>
           </a:p>
         </p:txBody>
       </p:sp>
@@ -2515,38 +2513,37 @@
           <a:p>
             <a:pPr lvl="0"/>
             <a:r>
-              <a:rPr lang="en-US" smtClean="0"/>
+              <a:rPr lang="en-US"/>
               <a:t>Click to edit Master text styles</a:t>
             </a:r>
           </a:p>
           <a:p>
             <a:pPr lvl="1"/>
             <a:r>
-              <a:rPr lang="en-US" smtClean="0"/>
+              <a:rPr lang="en-US"/>
               <a:t>Second level</a:t>
             </a:r>
           </a:p>
           <a:p>
             <a:pPr lvl="2"/>
             <a:r>
-              <a:rPr lang="en-US" smtClean="0"/>
+              <a:rPr lang="en-US"/>
               <a:t>Third level</a:t>
             </a:r>
           </a:p>
           <a:p>
             <a:pPr lvl="3"/>
             <a:r>
-              <a:rPr lang="en-US" smtClean="0"/>
+              <a:rPr lang="en-US"/>
               <a:t>Fourth level</a:t>
             </a:r>
           </a:p>
           <a:p>
             <a:pPr lvl="4"/>
             <a:r>
-              <a:rPr lang="en-US" smtClean="0"/>
+              <a:rPr lang="en-US"/>
               <a:t>Fifth level</a:t>
             </a:r>
-            <a:endParaRPr lang="en-US"/>
           </a:p>
         </p:txBody>
       </p:sp>
@@ -2609,7 +2606,7 @@
           <a:p>
             <a:pPr lvl="0"/>
             <a:r>
-              <a:rPr lang="en-US" smtClean="0"/>
+              <a:rPr lang="en-US"/>
               <a:t>Click to edit Master text styles</a:t>
             </a:r>
           </a:p>
@@ -2632,7 +2629,7 @@
           <a:p>
             <a:fld id="{42B8B0BE-C8D7-EB48-AD68-71DB5002F24B}" type="datetimeFigureOut">
               <a:rPr lang="en-US" smtClean="0"/>
-              <a:t>1/30/19</a:t>
+              <a:t>2/9/21</a:t>
             </a:fld>
             <a:endParaRPr lang="en-US"/>
           </a:p>
@@ -2735,10 +2732,9 @@
           </a:lstStyle>
           <a:p>
             <a:r>
-              <a:rPr lang="en-US" smtClean="0"/>
+              <a:rPr lang="en-US"/>
               <a:t>Click to edit Master title style</a:t>
             </a:r>
-            <a:endParaRPr lang="en-US"/>
           </a:p>
         </p:txBody>
       </p:sp>
@@ -2862,7 +2858,7 @@
           <a:p>
             <a:pPr lvl="0"/>
             <a:r>
-              <a:rPr lang="en-US" smtClean="0"/>
+              <a:rPr lang="en-US"/>
               <a:t>Click to edit Master text styles</a:t>
             </a:r>
           </a:p>
@@ -2885,7 +2881,7 @@
           <a:p>
             <a:fld id="{42B8B0BE-C8D7-EB48-AD68-71DB5002F24B}" type="datetimeFigureOut">
               <a:rPr lang="en-US" smtClean="0"/>
-              <a:t>1/30/19</a:t>
+              <a:t>2/9/21</a:t>
             </a:fld>
             <a:endParaRPr lang="en-US"/>
           </a:p>
@@ -2994,10 +2990,9 @@
           <a:lstStyle/>
           <a:p>
             <a:r>
-              <a:rPr lang="en-US" smtClean="0"/>
+              <a:rPr lang="en-US"/>
               <a:t>Click to edit Master title style</a:t>
             </a:r>
-            <a:endParaRPr lang="en-US"/>
           </a:p>
         </p:txBody>
       </p:sp>
@@ -3028,38 +3023,37 @@
           <a:p>
             <a:pPr lvl="0"/>
             <a:r>
-              <a:rPr lang="en-US" smtClean="0"/>
+              <a:rPr lang="en-US"/>
               <a:t>Click to edit Master text styles</a:t>
             </a:r>
           </a:p>
           <a:p>
             <a:pPr lvl="1"/>
             <a:r>
-              <a:rPr lang="en-US" smtClean="0"/>
+              <a:rPr lang="en-US"/>
               <a:t>Second level</a:t>
             </a:r>
           </a:p>
           <a:p>
             <a:pPr lvl="2"/>
             <a:r>
-              <a:rPr lang="en-US" smtClean="0"/>
+              <a:rPr lang="en-US"/>
               <a:t>Third level</a:t>
             </a:r>
           </a:p>
           <a:p>
             <a:pPr lvl="3"/>
             <a:r>
-              <a:rPr lang="en-US" smtClean="0"/>
+              <a:rPr lang="en-US"/>
               <a:t>Fourth level</a:t>
             </a:r>
           </a:p>
           <a:p>
             <a:pPr lvl="4"/>
             <a:r>
-              <a:rPr lang="en-US" smtClean="0"/>
+              <a:rPr lang="en-US"/>
               <a:t>Fifth level</a:t>
             </a:r>
-            <a:endParaRPr lang="en-US"/>
           </a:p>
         </p:txBody>
       </p:sp>
@@ -3098,7 +3092,7 @@
           <a:p>
             <a:fld id="{42B8B0BE-C8D7-EB48-AD68-71DB5002F24B}" type="datetimeFigureOut">
               <a:rPr lang="en-US" smtClean="0"/>
-              <a:t>1/30/19</a:t>
+              <a:t>2/9/21</a:t>
             </a:fld>
             <a:endParaRPr lang="en-US"/>
           </a:p>
@@ -3496,39 +3490,26 @@
           <a:lstStyle/>
           <a:p>
             <a:r>
-              <a:rPr lang="en-US" sz="3200" dirty="0" smtClean="0"/>
+              <a:rPr lang="en-US" sz="3200" dirty="0"/>
               <a:t>UNIX</a:t>
-            </a:r>
-            <a:br>
-              <a:rPr lang="en-US" sz="3200" dirty="0" smtClean="0"/>
-            </a:br>
-            <a:r>
-              <a:rPr lang="en-US" sz="3200" dirty="0" smtClean="0"/>
-              <a:t>(Lab practice)</a:t>
-            </a:r>
-            <a:br>
-              <a:rPr lang="en-US" sz="3200" dirty="0" smtClean="0"/>
-            </a:br>
-            <a:r>
-              <a:rPr lang="en-US" sz="3200" dirty="0"/>
-              <a:t/>
             </a:r>
             <a:br>
               <a:rPr lang="en-US" sz="3200" dirty="0"/>
             </a:br>
             <a:r>
-              <a:rPr lang="en-US" sz="2000" dirty="0" smtClean="0"/>
-              <a:t>Bioinformatics Applications</a:t>
-            </a:r>
+              <a:rPr lang="en-US" sz="3200" dirty="0"/>
+              <a:t>(Lab practice)</a:t>
+            </a:r>
+            <a:br>
+              <a:rPr lang="en-US" sz="3200" dirty="0"/>
+            </a:br>
+            <a:br>
+              <a:rPr lang="en-US" sz="3200" dirty="0"/>
+            </a:br>
             <a:r>
               <a:rPr lang="en-US" sz="2000" dirty="0"/>
-              <a:t> </a:t>
-            </a:r>
-            <a:r>
-              <a:rPr lang="en-US" sz="2000" dirty="0" smtClean="0"/>
-              <a:t>(PLPTH813)</a:t>
-            </a:r>
-            <a:endParaRPr lang="en-US" sz="2000" dirty="0"/>
+              <a:t>Bioinformatics Applications (PLPTH813)</a:t>
+            </a:r>
           </a:p>
         </p:txBody>
       </p:sp>
@@ -3555,7 +3536,7 @@
           <a:lstStyle/>
           <a:p>
             <a:r>
-              <a:rPr lang="en-US" sz="2800" dirty="0" smtClean="0"/>
+              <a:rPr lang="en-US" sz="2800" dirty="0"/>
               <a:t>Sanzhen Liu</a:t>
             </a:r>
           </a:p>
@@ -3564,10 +3545,9 @@
           </a:p>
           <a:p>
             <a:r>
-              <a:rPr lang="en-US" sz="2800" dirty="0" smtClean="0"/>
+              <a:rPr lang="en-US" sz="2800" dirty="0"/>
               <a:t>1/31/2019</a:t>
             </a:r>
-            <a:endParaRPr lang="en-US" sz="2800" dirty="0"/>
           </a:p>
         </p:txBody>
       </p:sp>
@@ -3581,13 +3561,6 @@
   <p:clrMapOvr>
     <a:masterClrMapping/>
   </p:clrMapOvr>
-  <p:timing>
-    <p:tnLst>
-      <p:par>
-        <p:cTn xmlns:p14="http://schemas.microsoft.com/office/powerpoint/2010/main" id="1" dur="indefinite" restart="never" nodeType="tmRoot"/>
-      </p:par>
-    </p:tnLst>
-  </p:timing>
 </p:sld>
 </file>
 
@@ -3624,7 +3597,7 @@
           <a:lstStyle/>
           <a:p>
             <a:r>
-              <a:rPr lang="en-US" dirty="0" err="1" smtClean="0"/>
+              <a:rPr lang="en-US" dirty="0" err="1"/>
               <a:t>grep</a:t>
             </a:r>
             <a:endParaRPr lang="en-US" dirty="0"/>
@@ -3654,25 +3627,25 @@
           <a:lstStyle/>
           <a:p>
             <a:r>
-              <a:rPr lang="en-US" dirty="0" err="1" smtClean="0"/>
-              <a:t>grep</a:t>
-            </a:r>
-            <a:endParaRPr lang="en-US" dirty="0"/>
-          </a:p>
-          <a:p>
-            <a:pPr marL="0" indent="0">
-              <a:buNone/>
-            </a:pPr>
-            <a:r>
               <a:rPr lang="en-US" dirty="0" err="1"/>
               <a:t>grep</a:t>
             </a:r>
+            <a:endParaRPr lang="en-US" dirty="0"/>
+          </a:p>
+          <a:p>
+            <a:pPr marL="0" indent="0">
+              <a:buNone/>
+            </a:pPr>
+            <a:r>
+              <a:rPr lang="en-US" dirty="0" err="1"/>
+              <a:t>grep</a:t>
+            </a:r>
             <a:r>
               <a:rPr lang="en-US" dirty="0"/>
               <a:t> "Kansas" </a:t>
             </a:r>
             <a:r>
-              <a:rPr lang="en-US" dirty="0" err="1" smtClean="0"/>
+              <a:rPr lang="en-US" dirty="0" err="1"/>
               <a:t>adult.txt</a:t>
             </a:r>
             <a:endParaRPr lang="en-US" dirty="0"/>
@@ -3681,26 +3654,22 @@
             <a:pPr marL="0" indent="0">
               <a:buNone/>
             </a:pPr>
-            <a:endParaRPr lang="en-US" dirty="0" smtClean="0"/>
-          </a:p>
-          <a:p>
-            <a:pPr marL="0" indent="0">
-              <a:buNone/>
-            </a:pPr>
-            <a:r>
-              <a:rPr lang="en-US" dirty="0" err="1" smtClean="0"/>
+            <a:endParaRPr lang="en-US" dirty="0"/>
+          </a:p>
+          <a:p>
+            <a:pPr marL="0" indent="0">
+              <a:buNone/>
+            </a:pPr>
+            <a:r>
+              <a:rPr lang="en-US" dirty="0" err="1"/>
               <a:t>grep</a:t>
             </a:r>
             <a:r>
-              <a:rPr lang="en-US" dirty="0" smtClean="0"/>
-              <a:t> </a:t>
-            </a:r>
-            <a:r>
               <a:rPr lang="en-US" dirty="0"/>
-              <a:t>"#" </a:t>
-            </a:r>
-            <a:r>
-              <a:rPr lang="en-US" dirty="0" err="1" smtClean="0"/>
+              <a:t> "#" </a:t>
+            </a:r>
+            <a:r>
+              <a:rPr lang="en-US" dirty="0" err="1"/>
               <a:t>adult.txt</a:t>
             </a:r>
             <a:endParaRPr lang="en-US" dirty="0"/>
@@ -3709,26 +3678,22 @@
             <a:pPr marL="0" indent="0">
               <a:buNone/>
             </a:pPr>
-            <a:endParaRPr lang="en-US" dirty="0" smtClean="0"/>
-          </a:p>
-          <a:p>
-            <a:pPr marL="0" indent="0">
-              <a:buNone/>
-            </a:pPr>
-            <a:r>
-              <a:rPr lang="en-US" dirty="0" err="1" smtClean="0"/>
+            <a:endParaRPr lang="en-US" dirty="0"/>
+          </a:p>
+          <a:p>
+            <a:pPr marL="0" indent="0">
+              <a:buNone/>
+            </a:pPr>
+            <a:r>
+              <a:rPr lang="en-US" dirty="0" err="1"/>
               <a:t>grep</a:t>
             </a:r>
             <a:r>
-              <a:rPr lang="en-US" dirty="0" smtClean="0"/>
-              <a:t> </a:t>
-            </a:r>
-            <a:r>
               <a:rPr lang="en-US" dirty="0"/>
-              <a:t>"^#" </a:t>
-            </a:r>
-            <a:r>
-              <a:rPr lang="en-US" dirty="0" err="1" smtClean="0"/>
+              <a:t> "^#" </a:t>
+            </a:r>
+            <a:r>
+              <a:rPr lang="en-US" dirty="0" err="1"/>
               <a:t>adult.txt</a:t>
             </a:r>
             <a:endParaRPr lang="en-US" dirty="0"/>
@@ -3737,26 +3702,22 @@
             <a:pPr marL="0" indent="0">
               <a:buNone/>
             </a:pPr>
-            <a:endParaRPr lang="en-US" dirty="0" smtClean="0"/>
-          </a:p>
-          <a:p>
-            <a:pPr marL="0" indent="0">
-              <a:buNone/>
-            </a:pPr>
-            <a:r>
-              <a:rPr lang="en-US" dirty="0" err="1" smtClean="0"/>
+            <a:endParaRPr lang="en-US" dirty="0"/>
+          </a:p>
+          <a:p>
+            <a:pPr marL="0" indent="0">
+              <a:buNone/>
+            </a:pPr>
+            <a:r>
+              <a:rPr lang="en-US" dirty="0" err="1"/>
               <a:t>grep</a:t>
             </a:r>
             <a:r>
-              <a:rPr lang="en-US" dirty="0" smtClean="0"/>
-              <a:t> </a:t>
-            </a:r>
-            <a:r>
               <a:rPr lang="en-US" dirty="0"/>
-              <a:t>"^#" -c </a:t>
-            </a:r>
-            <a:r>
-              <a:rPr lang="en-US" dirty="0" err="1" smtClean="0"/>
+              <a:t> "^#" -c </a:t>
+            </a:r>
+            <a:r>
+              <a:rPr lang="en-US" dirty="0" err="1"/>
               <a:t>adult.txt</a:t>
             </a:r>
             <a:endParaRPr lang="en-US" dirty="0"/>
@@ -3765,38 +3726,30 @@
             <a:pPr marL="0" indent="0">
               <a:buNone/>
             </a:pPr>
-            <a:endParaRPr lang="en-US" dirty="0" smtClean="0"/>
-          </a:p>
-          <a:p>
-            <a:pPr marL="0" indent="0">
-              <a:buNone/>
-            </a:pPr>
-            <a:r>
-              <a:rPr lang="en-US" dirty="0" err="1" smtClean="0"/>
+            <a:endParaRPr lang="en-US" dirty="0"/>
+          </a:p>
+          <a:p>
+            <a:pPr marL="0" indent="0">
+              <a:buNone/>
+            </a:pPr>
+            <a:r>
+              <a:rPr lang="en-US" dirty="0" err="1"/>
               <a:t>grep</a:t>
             </a:r>
             <a:r>
-              <a:rPr lang="en-US" dirty="0" smtClean="0"/>
-              <a:t> </a:t>
-            </a:r>
-            <a:r>
               <a:rPr lang="en-US" dirty="0"/>
-              <a:t>"#" -v </a:t>
-            </a:r>
-            <a:r>
-              <a:rPr lang="en-US" dirty="0" err="1" smtClean="0"/>
+              <a:t> "#" -v </a:t>
+            </a:r>
+            <a:r>
+              <a:rPr lang="en-US" dirty="0" err="1"/>
               <a:t>adult.txt</a:t>
             </a:r>
             <a:r>
-              <a:rPr lang="en-US" dirty="0" smtClean="0"/>
-              <a:t> </a:t>
-            </a:r>
-            <a:r>
               <a:rPr lang="en-US" dirty="0"/>
-              <a:t>&gt; </a:t>
-            </a:r>
-            <a:r>
-              <a:rPr lang="en-US" dirty="0" err="1" smtClean="0"/>
+              <a:t> &gt; </a:t>
+            </a:r>
+            <a:r>
+              <a:rPr lang="en-US" dirty="0" err="1"/>
               <a:t>adult.cig.nocomments.txt</a:t>
             </a:r>
             <a:endParaRPr lang="en-US" dirty="0"/>
@@ -3813,13 +3766,6 @@
   <p:clrMapOvr>
     <a:masterClrMapping/>
   </p:clrMapOvr>
-  <p:timing>
-    <p:tnLst>
-      <p:par>
-        <p:cTn xmlns:p14="http://schemas.microsoft.com/office/powerpoint/2010/main" id="1" dur="indefinite" restart="never" nodeType="tmRoot"/>
-      </p:par>
-    </p:tnLst>
-  </p:timing>
 </p:sld>
 </file>
 
@@ -3856,10 +3802,9 @@
           <a:lstStyle/>
           <a:p>
             <a:r>
-              <a:rPr lang="en-US" dirty="0" smtClean="0"/>
+              <a:rPr lang="en-US" dirty="0"/>
               <a:t>Pipe (1)</a:t>
             </a:r>
-            <a:endParaRPr lang="en-US" dirty="0"/>
           </a:p>
         </p:txBody>
       </p:sp>
@@ -3882,20 +3827,12 @@
               <a:buNone/>
             </a:pPr>
             <a:r>
-              <a:rPr lang="en-US" dirty="0" err="1" smtClean="0"/>
+              <a:rPr lang="en-US" dirty="0" err="1"/>
               <a:t>ls</a:t>
             </a:r>
             <a:r>
-              <a:rPr lang="en-US" dirty="0" smtClean="0"/>
-              <a:t> </a:t>
-            </a:r>
-            <a:r>
               <a:rPr lang="en-US" dirty="0"/>
-              <a:t>-</a:t>
-            </a:r>
-            <a:r>
-              <a:rPr lang="en-US" dirty="0" smtClean="0"/>
-              <a:t>1</a:t>
+              <a:t> -1</a:t>
             </a:r>
           </a:p>
           <a:p>
@@ -3917,39 +3854,31 @@
               <a:t> "Kansas" </a:t>
             </a:r>
             <a:r>
-              <a:rPr lang="en-US" dirty="0" err="1" smtClean="0"/>
+              <a:rPr lang="en-US" dirty="0" err="1"/>
               <a:t>adult.txt</a:t>
             </a:r>
             <a:r>
-              <a:rPr lang="en-US" dirty="0" smtClean="0"/>
-              <a:t> </a:t>
-            </a:r>
-            <a:r>
               <a:rPr lang="en-US" dirty="0"/>
-              <a:t>| cut -f 2 | head</a:t>
-            </a:r>
-          </a:p>
-          <a:p>
-            <a:pPr marL="0" indent="0">
-              <a:buNone/>
-            </a:pPr>
-            <a:endParaRPr lang="en-US" dirty="0" smtClean="0"/>
-          </a:p>
-          <a:p>
-            <a:pPr marL="0" indent="0">
-              <a:buNone/>
-            </a:pPr>
-            <a:r>
-              <a:rPr lang="en-US" dirty="0" err="1" smtClean="0"/>
+              <a:t> | cut -f 2 | head</a:t>
+            </a:r>
+          </a:p>
+          <a:p>
+            <a:pPr marL="0" indent="0">
+              <a:buNone/>
+            </a:pPr>
+            <a:endParaRPr lang="en-US" dirty="0"/>
+          </a:p>
+          <a:p>
+            <a:pPr marL="0" indent="0">
+              <a:buNone/>
+            </a:pPr>
+            <a:r>
+              <a:rPr lang="en-US" dirty="0" err="1"/>
               <a:t>grep</a:t>
             </a:r>
             <a:r>
-              <a:rPr lang="en-US" dirty="0" smtClean="0"/>
-              <a:t> </a:t>
-            </a:r>
-            <a:r>
               <a:rPr lang="en-US" dirty="0"/>
-              <a:t>"#" -v </a:t>
+              <a:t> "#" -v </a:t>
             </a:r>
             <a:r>
               <a:rPr lang="en-US" dirty="0" err="1"/>
@@ -3957,11 +3886,7 @@
             </a:r>
             <a:r>
               <a:rPr lang="en-US" dirty="0"/>
-              <a:t> | cut -f 1,2,4 | </a:t>
-            </a:r>
-            <a:r>
-              <a:rPr lang="en-US" dirty="0" smtClean="0"/>
-              <a:t>head</a:t>
+              <a:t> | cut -f 1,2,4 | head</a:t>
             </a:r>
           </a:p>
           <a:p>
@@ -3979,24 +3904,20 @@
               <a:t>paste </a:t>
             </a:r>
             <a:r>
-              <a:rPr lang="en-US" dirty="0" err="1" smtClean="0"/>
+              <a:rPr lang="en-US" dirty="0" err="1"/>
               <a:t>adult.txt</a:t>
             </a:r>
             <a:r>
-              <a:rPr lang="en-US" dirty="0" smtClean="0"/>
+              <a:rPr lang="en-US" dirty="0"/>
               <a:t> </a:t>
             </a:r>
             <a:r>
-              <a:rPr lang="en-US" dirty="0" err="1" smtClean="0"/>
+              <a:rPr lang="en-US" dirty="0" err="1"/>
               <a:t>youth.txt</a:t>
             </a:r>
             <a:r>
-              <a:rPr lang="en-US" dirty="0" smtClean="0"/>
-              <a:t> </a:t>
-            </a:r>
-            <a:r>
               <a:rPr lang="en-US" dirty="0"/>
-              <a:t>| </a:t>
+              <a:t> | </a:t>
             </a:r>
             <a:r>
               <a:rPr lang="en-US" dirty="0" err="1"/>
@@ -4011,35 +3932,27 @@
             <a:pPr marL="0" indent="0">
               <a:buNone/>
             </a:pPr>
-            <a:endParaRPr lang="en-US" dirty="0" smtClean="0"/>
-          </a:p>
-          <a:p>
-            <a:pPr marL="0" indent="0">
-              <a:buNone/>
-            </a:pPr>
-            <a:r>
-              <a:rPr lang="en-US" dirty="0" err="1" smtClean="0"/>
+            <a:endParaRPr lang="en-US" dirty="0"/>
+          </a:p>
+          <a:p>
+            <a:pPr marL="0" indent="0">
+              <a:buNone/>
+            </a:pPr>
+            <a:r>
+              <a:rPr lang="en-US" dirty="0" err="1"/>
               <a:t>grep</a:t>
             </a:r>
             <a:r>
-              <a:rPr lang="en-US" dirty="0" smtClean="0"/>
-              <a:t> </a:t>
-            </a:r>
-            <a:r>
               <a:rPr lang="en-US" dirty="0"/>
-              <a:t>"#" -v </a:t>
-            </a:r>
-            <a:r>
-              <a:rPr lang="en-US" dirty="0" err="1" smtClean="0"/>
+              <a:t> "#" -v </a:t>
+            </a:r>
+            <a:r>
+              <a:rPr lang="en-US" dirty="0" err="1"/>
               <a:t>adult.txt</a:t>
             </a:r>
             <a:r>
-              <a:rPr lang="en-US" dirty="0" smtClean="0"/>
-              <a:t> </a:t>
-            </a:r>
-            <a:r>
               <a:rPr lang="en-US" dirty="0"/>
-              <a:t>| cut -f 2 | sort | head</a:t>
+              <a:t> | cut -f 2 | sort | head</a:t>
             </a:r>
           </a:p>
         </p:txBody>
@@ -4054,13 +3967,6 @@
   <p:clrMapOvr>
     <a:masterClrMapping/>
   </p:clrMapOvr>
-  <p:timing>
-    <p:tnLst>
-      <p:par>
-        <p:cTn xmlns:p14="http://schemas.microsoft.com/office/powerpoint/2010/main" id="1" dur="indefinite" restart="never" nodeType="tmRoot"/>
-      </p:par>
-    </p:tnLst>
-  </p:timing>
 </p:sld>
 </file>
 
@@ -4097,10 +4003,9 @@
           <a:lstStyle/>
           <a:p>
             <a:r>
-              <a:rPr lang="en-US" dirty="0" smtClean="0"/>
+              <a:rPr lang="en-US" dirty="0"/>
               <a:t>Pipe (2)</a:t>
             </a:r>
-            <a:endParaRPr lang="en-US" dirty="0"/>
           </a:p>
         </p:txBody>
       </p:sp>
@@ -4132,24 +4037,20 @@
               <a:t>cat </a:t>
             </a:r>
             <a:r>
-              <a:rPr lang="en-US" dirty="0" err="1" smtClean="0"/>
+              <a:rPr lang="en-US" dirty="0" err="1"/>
               <a:t>adult.txt</a:t>
             </a:r>
             <a:r>
-              <a:rPr lang="en-US" dirty="0" smtClean="0"/>
+              <a:rPr lang="en-US" dirty="0"/>
               <a:t> </a:t>
             </a:r>
             <a:r>
-              <a:rPr lang="en-US" dirty="0" err="1" smtClean="0"/>
+              <a:rPr lang="en-US" dirty="0" err="1"/>
               <a:t>youth.txt</a:t>
             </a:r>
             <a:r>
-              <a:rPr lang="en-US" dirty="0" smtClean="0"/>
-              <a:t> </a:t>
-            </a:r>
-            <a:r>
               <a:rPr lang="en-US" dirty="0"/>
-              <a:t>&gt; </a:t>
+              <a:t> &gt; </a:t>
             </a:r>
             <a:r>
               <a:rPr lang="en-US" dirty="0" err="1"/>
@@ -4166,47 +4067,35 @@
               <a:t>less </a:t>
             </a:r>
             <a:r>
-              <a:rPr lang="en-US" dirty="0" err="1" smtClean="0"/>
+              <a:rPr lang="en-US" dirty="0" err="1"/>
               <a:t>two.cat.txt</a:t>
             </a:r>
-            <a:endParaRPr lang="en-US" dirty="0" smtClean="0"/>
-          </a:p>
-          <a:p>
-            <a:pPr marL="0" indent="0">
-              <a:buNone/>
-            </a:pPr>
             <a:endParaRPr lang="en-US" dirty="0"/>
           </a:p>
           <a:p>
             <a:pPr marL="0" indent="0">
               <a:buNone/>
             </a:pPr>
-            <a:r>
-              <a:rPr lang="en-US" dirty="0" smtClean="0"/>
+            <a:endParaRPr lang="en-US" dirty="0"/>
+          </a:p>
+          <a:p>
+            <a:pPr marL="0" indent="0">
+              <a:buNone/>
+            </a:pPr>
+            <a:r>
+              <a:rPr lang="en-US" dirty="0"/>
               <a:t>cut </a:t>
             </a:r>
             <a:r>
-              <a:rPr lang="en-US" dirty="0" err="1" smtClean="0"/>
+              <a:rPr lang="en-US" dirty="0" err="1"/>
               <a:t>two.cat.txt</a:t>
             </a:r>
             <a:r>
-              <a:rPr lang="en-US" dirty="0" smtClean="0"/>
-              <a:t> -</a:t>
-            </a:r>
-            <a:r>
               <a:rPr lang="en-US" dirty="0"/>
-              <a:t>f </a:t>
-            </a:r>
-            <a:r>
-              <a:rPr lang="en-US" dirty="0" smtClean="0"/>
-              <a:t>2 </a:t>
-            </a:r>
-            <a:r>
-              <a:rPr lang="en-US" dirty="0"/>
-              <a:t>| sort | </a:t>
-            </a:r>
-            <a:r>
-              <a:rPr lang="en-US" dirty="0" err="1" smtClean="0"/>
+              <a:t> -f 2 | sort | </a:t>
+            </a:r>
+            <a:r>
+              <a:rPr lang="en-US" dirty="0" err="1"/>
               <a:t>uniq</a:t>
             </a:r>
             <a:endParaRPr lang="en-US" dirty="0"/>
@@ -4223,13 +4112,6 @@
   <p:clrMapOvr>
     <a:masterClrMapping/>
   </p:clrMapOvr>
-  <p:timing>
-    <p:tnLst>
-      <p:par>
-        <p:cTn xmlns:p14="http://schemas.microsoft.com/office/powerpoint/2010/main" id="1" dur="indefinite" restart="never" nodeType="tmRoot"/>
-      </p:par>
-    </p:tnLst>
-  </p:timing>
 </p:sld>
 </file>
 
@@ -4266,18 +4148,17 @@
           <a:lstStyle/>
           <a:p>
             <a:r>
-              <a:rPr lang="en-US" dirty="0" smtClean="0"/>
+              <a:rPr lang="en-US" dirty="0"/>
               <a:t>Create a file: </a:t>
             </a:r>
             <a:r>
-              <a:rPr lang="en-US" dirty="0" err="1" smtClean="0"/>
+              <a:rPr lang="en-US" dirty="0" err="1"/>
               <a:t>fruit.txt</a:t>
             </a:r>
             <a:r>
-              <a:rPr lang="en-US" dirty="0" smtClean="0"/>
+              <a:rPr lang="en-US" dirty="0"/>
               <a:t> (tab separated flat file)</a:t>
             </a:r>
-            <a:endParaRPr lang="en-US" dirty="0"/>
           </a:p>
         </p:txBody>
       </p:sp>
@@ -4347,19 +4228,8 @@
                 <a:latin typeface="Courier New"/>
                 <a:cs typeface="Courier New"/>
               </a:rPr>
-              <a:t>banana	</a:t>
-            </a:r>
-            <a:r>
-              <a:rPr lang="en-US" sz="3200" dirty="0" smtClean="0">
-                <a:latin typeface="Courier New"/>
-                <a:cs typeface="Courier New"/>
-              </a:rPr>
-              <a:t>5</a:t>
-            </a:r>
-            <a:endParaRPr lang="en-US" sz="3200" dirty="0">
-              <a:latin typeface="Courier New"/>
-              <a:cs typeface="Courier New"/>
-            </a:endParaRPr>
+              <a:t>banana	5</a:t>
+            </a:r>
           </a:p>
         </p:txBody>
       </p:sp>
@@ -4409,7 +4279,7 @@
           <a:lstStyle/>
           <a:p>
             <a:r>
-              <a:rPr lang="en-US" b="1" dirty="0" smtClean="0">
+              <a:rPr lang="en-US" b="1" dirty="0">
                 <a:solidFill>
                   <a:schemeClr val="accent1">
                     <a:lumMod val="75000"/>
@@ -4419,12 +4289,8 @@
               <a:t>sort</a:t>
             </a:r>
             <a:r>
-              <a:rPr lang="en-US" dirty="0" smtClean="0"/>
-              <a:t> </a:t>
-            </a:r>
-            <a:r>
               <a:rPr lang="en-US" dirty="0"/>
-              <a:t>- sort lines of text files</a:t>
+              <a:t> - sort lines of text files</a:t>
             </a:r>
           </a:p>
         </p:txBody>
@@ -4455,7 +4321,7 @@
               <a:buNone/>
             </a:pPr>
             <a:r>
-              <a:rPr lang="en-US" sz="1600" b="1" dirty="0" smtClean="0">
+              <a:rPr lang="en-US" sz="1600" b="1" dirty="0">
                 <a:latin typeface="Courier New"/>
                 <a:cs typeface="Courier New"/>
               </a:rPr>
@@ -4528,126 +4394,6 @@
             <a:pPr marL="0" indent="0">
               <a:buNone/>
             </a:pPr>
-            <a:endParaRPr lang="en-US" sz="1600" b="1" dirty="0" smtClean="0">
-              <a:latin typeface="Courier New"/>
-              <a:cs typeface="Courier New"/>
-            </a:endParaRPr>
-          </a:p>
-          <a:p>
-            <a:pPr marL="0" indent="0">
-              <a:buNone/>
-            </a:pPr>
-            <a:r>
-              <a:rPr lang="en-US" sz="1600" b="1" dirty="0" smtClean="0">
-                <a:latin typeface="Courier New"/>
-                <a:cs typeface="Courier New"/>
-              </a:rPr>
-              <a:t>sort </a:t>
-            </a:r>
-            <a:r>
-              <a:rPr lang="en-US" sz="1600" b="1" dirty="0" err="1" smtClean="0">
-                <a:latin typeface="Courier New"/>
-                <a:cs typeface="Courier New"/>
-              </a:rPr>
-              <a:t>fruit.txt</a:t>
-            </a:r>
-            <a:r>
-              <a:rPr lang="en-US" sz="1600" b="1" dirty="0" smtClean="0">
-                <a:latin typeface="Courier New"/>
-                <a:cs typeface="Courier New"/>
-              </a:rPr>
-              <a:t> </a:t>
-            </a:r>
-          </a:p>
-          <a:p>
-            <a:pPr marL="0" indent="0">
-              <a:buNone/>
-            </a:pPr>
-            <a:r>
-              <a:rPr lang="en-US" sz="1600" dirty="0" smtClean="0">
-                <a:latin typeface="Courier New"/>
-                <a:cs typeface="Courier New"/>
-              </a:rPr>
-              <a:t>apple</a:t>
-            </a:r>
-            <a:r>
-              <a:rPr lang="en-US" sz="1600" dirty="0">
-                <a:latin typeface="Courier New"/>
-                <a:cs typeface="Courier New"/>
-              </a:rPr>
-              <a:t>	6</a:t>
-            </a:r>
-          </a:p>
-          <a:p>
-            <a:pPr marL="0" indent="0">
-              <a:buNone/>
-            </a:pPr>
-            <a:r>
-              <a:rPr lang="en-US" sz="1600" dirty="0">
-                <a:latin typeface="Courier New"/>
-                <a:cs typeface="Courier New"/>
-              </a:rPr>
-              <a:t>banana	5</a:t>
-            </a:r>
-          </a:p>
-          <a:p>
-            <a:pPr marL="0" indent="0">
-              <a:buNone/>
-            </a:pPr>
-            <a:r>
-              <a:rPr lang="en-US" sz="1600" dirty="0">
-                <a:latin typeface="Courier New"/>
-                <a:cs typeface="Courier New"/>
-              </a:rPr>
-              <a:t>orange	8</a:t>
-            </a:r>
-          </a:p>
-          <a:p>
-            <a:pPr marL="0" indent="0">
-              <a:buNone/>
-            </a:pPr>
-            <a:r>
-              <a:rPr lang="en-US" sz="1600" dirty="0">
-                <a:latin typeface="Courier New"/>
-                <a:cs typeface="Courier New"/>
-              </a:rPr>
-              <a:t>peach	12</a:t>
-            </a:r>
-          </a:p>
-          <a:p>
-            <a:pPr marL="0" indent="0">
-              <a:buNone/>
-            </a:pPr>
-            <a:endParaRPr lang="en-US" sz="1600" b="1" dirty="0" smtClean="0">
-              <a:latin typeface="Courier New"/>
-              <a:cs typeface="Courier New"/>
-            </a:endParaRPr>
-          </a:p>
-          <a:p>
-            <a:pPr marL="0" indent="0">
-              <a:buNone/>
-            </a:pPr>
-            <a:r>
-              <a:rPr lang="en-US" sz="1600" b="1" dirty="0" smtClean="0">
-                <a:latin typeface="Courier New"/>
-                <a:cs typeface="Courier New"/>
-              </a:rPr>
-              <a:t>sort </a:t>
-            </a:r>
-            <a:r>
-              <a:rPr lang="en-US" sz="1600" b="1" dirty="0">
-                <a:latin typeface="Courier New"/>
-                <a:cs typeface="Courier New"/>
-              </a:rPr>
-              <a:t>-k 2 </a:t>
-            </a:r>
-            <a:r>
-              <a:rPr lang="en-US" sz="1600" b="1" dirty="0" err="1">
-                <a:latin typeface="Courier New"/>
-                <a:cs typeface="Courier New"/>
-              </a:rPr>
-              <a:t>fruit.txt</a:t>
-            </a:r>
             <a:endParaRPr lang="en-US" sz="1600" b="1" dirty="0">
               <a:latin typeface="Courier New"/>
               <a:cs typeface="Courier New"/>
@@ -4658,10 +4404,72 @@
               <a:buNone/>
             </a:pPr>
             <a:r>
+              <a:rPr lang="en-US" sz="1600" b="1" dirty="0">
+                <a:latin typeface="Courier New"/>
+                <a:cs typeface="Courier New"/>
+              </a:rPr>
+              <a:t>sort </a:t>
+            </a:r>
+            <a:r>
+              <a:rPr lang="en-US" sz="1600" b="1" dirty="0" err="1">
+                <a:latin typeface="Courier New"/>
+                <a:cs typeface="Courier New"/>
+              </a:rPr>
+              <a:t>fruit.txt</a:t>
+            </a:r>
+            <a:r>
+              <a:rPr lang="en-US" sz="1600" b="1" dirty="0">
+                <a:latin typeface="Courier New"/>
+                <a:cs typeface="Courier New"/>
+              </a:rPr>
+              <a:t> </a:t>
+            </a:r>
+          </a:p>
+          <a:p>
+            <a:pPr marL="0" indent="0">
+              <a:buNone/>
+            </a:pPr>
+            <a:r>
               <a:rPr lang="en-US" sz="1600" dirty="0">
                 <a:latin typeface="Courier New"/>
                 <a:cs typeface="Courier New"/>
               </a:rPr>
+              <a:t>apple	6</a:t>
+            </a:r>
+          </a:p>
+          <a:p>
+            <a:pPr marL="0" indent="0">
+              <a:buNone/>
+            </a:pPr>
+            <a:r>
+              <a:rPr lang="en-US" sz="1600" dirty="0">
+                <a:latin typeface="Courier New"/>
+                <a:cs typeface="Courier New"/>
+              </a:rPr>
+              <a:t>banana	5</a:t>
+            </a:r>
+          </a:p>
+          <a:p>
+            <a:pPr marL="0" indent="0">
+              <a:buNone/>
+            </a:pPr>
+            <a:r>
+              <a:rPr lang="en-US" sz="1600" dirty="0">
+                <a:latin typeface="Courier New"/>
+                <a:cs typeface="Courier New"/>
+              </a:rPr>
+              <a:t>orange	8</a:t>
+            </a:r>
+          </a:p>
+          <a:p>
+            <a:pPr marL="0" indent="0">
+              <a:buNone/>
+            </a:pPr>
+            <a:r>
+              <a:rPr lang="en-US" sz="1600" dirty="0">
+                <a:latin typeface="Courier New"/>
+                <a:cs typeface="Courier New"/>
+              </a:rPr>
               <a:t>peach	12</a:t>
             </a:r>
           </a:p>
@@ -4669,48 +4477,81 @@
             <a:pPr marL="0" indent="0">
               <a:buNone/>
             </a:pPr>
-            <a:r>
-              <a:rPr lang="en-US" sz="1600" dirty="0">
-                <a:latin typeface="Courier New"/>
-                <a:cs typeface="Courier New"/>
-              </a:rPr>
-              <a:t>banana	5</a:t>
-            </a:r>
-          </a:p>
-          <a:p>
-            <a:pPr marL="0" indent="0">
-              <a:buNone/>
-            </a:pPr>
-            <a:r>
-              <a:rPr lang="en-US" sz="1600" dirty="0">
-                <a:latin typeface="Courier New"/>
-                <a:cs typeface="Courier New"/>
-              </a:rPr>
-              <a:t>apple	6</a:t>
-            </a:r>
-          </a:p>
-          <a:p>
-            <a:pPr marL="0" indent="0">
-              <a:buNone/>
-            </a:pPr>
-            <a:r>
-              <a:rPr lang="en-US" sz="1600" dirty="0">
-                <a:latin typeface="Courier New"/>
-                <a:cs typeface="Courier New"/>
-              </a:rPr>
-              <a:t>orange	</a:t>
-            </a:r>
-            <a:r>
-              <a:rPr lang="en-US" sz="1600" dirty="0" smtClean="0">
-                <a:latin typeface="Courier New"/>
-                <a:cs typeface="Courier New"/>
-              </a:rPr>
-              <a:t>8</a:t>
-            </a:r>
-            <a:endParaRPr lang="en-US" sz="1600" dirty="0">
+            <a:endParaRPr lang="en-US" sz="1600" b="1" dirty="0">
               <a:latin typeface="Courier New"/>
               <a:cs typeface="Courier New"/>
             </a:endParaRPr>
+          </a:p>
+          <a:p>
+            <a:pPr marL="0" indent="0">
+              <a:buNone/>
+            </a:pPr>
+            <a:r>
+              <a:rPr lang="en-US" sz="1600" b="1" dirty="0">
+                <a:latin typeface="Courier New"/>
+                <a:cs typeface="Courier New"/>
+              </a:rPr>
+              <a:t>sort -k 2 </a:t>
+            </a:r>
+            <a:r>
+              <a:rPr lang="en-US" sz="1600" b="1" dirty="0" err="1">
+                <a:latin typeface="Courier New"/>
+                <a:cs typeface="Courier New"/>
+              </a:rPr>
+              <a:t>fruit.txt</a:t>
+            </a:r>
+            <a:endParaRPr lang="en-US" sz="1600" b="1" dirty="0">
+              <a:latin typeface="Courier New"/>
+              <a:cs typeface="Courier New"/>
+            </a:endParaRPr>
+          </a:p>
+          <a:p>
+            <a:pPr marL="0" indent="0">
+              <a:buNone/>
+            </a:pPr>
+            <a:r>
+              <a:rPr lang="en-US" sz="1600" dirty="0">
+                <a:latin typeface="Courier New"/>
+                <a:cs typeface="Courier New"/>
+              </a:rPr>
+              <a:t>peach	12</a:t>
+            </a:r>
+          </a:p>
+          <a:p>
+            <a:pPr marL="0" indent="0">
+              <a:buNone/>
+            </a:pPr>
+            <a:r>
+              <a:rPr lang="en-US" sz="1600" dirty="0">
+                <a:latin typeface="Courier New"/>
+                <a:cs typeface="Courier New"/>
+              </a:rPr>
+              <a:t>banana	5</a:t>
+            </a:r>
+          </a:p>
+          <a:p>
+            <a:pPr marL="0" indent="0">
+              <a:buNone/>
+            </a:pPr>
+            <a:r>
+              <a:rPr lang="en-US" sz="1600" dirty="0">
+                <a:latin typeface="Courier New"/>
+                <a:cs typeface="Courier New"/>
+              </a:rPr>
+              <a:t>apple	6</a:t>
+            </a:r>
+          </a:p>
+          <a:p>
+            <a:pPr marL="0" indent="0">
+              <a:buNone/>
+            </a:pPr>
+            <a:r>
+              <a:rPr lang="en-US" sz="1600" dirty="0">
+                <a:latin typeface="Courier New"/>
+                <a:cs typeface="Courier New"/>
+              </a:rPr>
+              <a:t>orange	8</a:t>
+            </a:r>
           </a:p>
         </p:txBody>
       </p:sp>
@@ -4901,20 +4742,20 @@
               <a:buNone/>
             </a:pPr>
             <a:r>
-              <a:rPr lang="en-US" sz="1600" b="1" dirty="0" smtClean="0">
+              <a:rPr lang="en-US" sz="1600" b="1" dirty="0">
                 <a:latin typeface="Courier New"/>
                 <a:cs typeface="Courier New"/>
               </a:rPr>
               <a:t>sort -k 2n </a:t>
             </a:r>
             <a:r>
-              <a:rPr lang="en-US" sz="1600" b="1" dirty="0" err="1" smtClean="0">
+              <a:rPr lang="en-US" sz="1600" b="1" dirty="0" err="1">
                 <a:latin typeface="Courier New"/>
                 <a:cs typeface="Courier New"/>
               </a:rPr>
               <a:t>fruit.txt</a:t>
             </a:r>
-            <a:endParaRPr lang="en-US" sz="1600" b="1" dirty="0" smtClean="0">
+            <a:endParaRPr lang="en-US" sz="1600" b="1" dirty="0">
               <a:latin typeface="Courier New"/>
               <a:cs typeface="Courier New"/>
             </a:endParaRPr>
@@ -4925,7 +4766,7 @@
               <a:buNone/>
             </a:pPr>
             <a:r>
-              <a:rPr lang="en-US" sz="1600" dirty="0" smtClean="0">
+              <a:rPr lang="en-US" sz="1600" dirty="0">
                 <a:latin typeface="Courier New"/>
                 <a:cs typeface="Courier New"/>
               </a:rPr>
@@ -4938,7 +4779,7 @@
               <a:buNone/>
             </a:pPr>
             <a:r>
-              <a:rPr lang="en-US" sz="1600" dirty="0" smtClean="0">
+              <a:rPr lang="en-US" sz="1600" dirty="0">
                 <a:latin typeface="Courier New"/>
                 <a:cs typeface="Courier New"/>
               </a:rPr>
@@ -4951,7 +4792,7 @@
               <a:buNone/>
             </a:pPr>
             <a:r>
-              <a:rPr lang="en-US" sz="1600" dirty="0" smtClean="0">
+              <a:rPr lang="en-US" sz="1600" dirty="0">
                 <a:latin typeface="Courier New"/>
                 <a:cs typeface="Courier New"/>
               </a:rPr>
@@ -4964,7 +4805,7 @@
               <a:buNone/>
             </a:pPr>
             <a:r>
-              <a:rPr lang="en-US" sz="1600" dirty="0" smtClean="0">
+              <a:rPr lang="en-US" sz="1600" dirty="0">
                 <a:latin typeface="Courier New"/>
                 <a:cs typeface="Courier New"/>
               </a:rPr>
@@ -4976,7 +4817,7 @@
               <a:buFont typeface="Arial"/>
               <a:buNone/>
             </a:pPr>
-            <a:endParaRPr lang="en-US" sz="1600" dirty="0" smtClean="0">
+            <a:endParaRPr lang="en-US" sz="1600" dirty="0">
               <a:latin typeface="Courier New"/>
               <a:cs typeface="Courier New"/>
             </a:endParaRPr>
@@ -4987,20 +4828,20 @@
               <a:buNone/>
             </a:pPr>
             <a:r>
-              <a:rPr lang="en-US" sz="1600" b="1" dirty="0" smtClean="0">
+              <a:rPr lang="en-US" sz="1600" b="1" dirty="0">
                 <a:latin typeface="Courier New"/>
                 <a:cs typeface="Courier New"/>
               </a:rPr>
               <a:t>sort -k 2nr </a:t>
             </a:r>
             <a:r>
-              <a:rPr lang="en-US" sz="1600" b="1" dirty="0" err="1" smtClean="0">
+              <a:rPr lang="en-US" sz="1600" b="1" dirty="0" err="1">
                 <a:latin typeface="Courier New"/>
                 <a:cs typeface="Courier New"/>
               </a:rPr>
               <a:t>fruit.txt</a:t>
             </a:r>
-            <a:endParaRPr lang="en-US" sz="1600" b="1" dirty="0" smtClean="0">
+            <a:endParaRPr lang="en-US" sz="1600" b="1" dirty="0">
               <a:latin typeface="Courier New"/>
               <a:cs typeface="Courier New"/>
             </a:endParaRPr>
@@ -5011,7 +4852,7 @@
               <a:buNone/>
             </a:pPr>
             <a:r>
-              <a:rPr lang="en-US" sz="1600" dirty="0" smtClean="0">
+              <a:rPr lang="en-US" sz="1600" dirty="0">
                 <a:latin typeface="Courier New"/>
                 <a:cs typeface="Courier New"/>
               </a:rPr>
@@ -5024,7 +4865,7 @@
               <a:buNone/>
             </a:pPr>
             <a:r>
-              <a:rPr lang="en-US" sz="1600" dirty="0" smtClean="0">
+              <a:rPr lang="en-US" sz="1600" dirty="0">
                 <a:latin typeface="Courier New"/>
                 <a:cs typeface="Courier New"/>
               </a:rPr>
@@ -5037,7 +4878,7 @@
               <a:buNone/>
             </a:pPr>
             <a:r>
-              <a:rPr lang="en-US" sz="1600" dirty="0" smtClean="0">
+              <a:rPr lang="en-US" sz="1600" dirty="0">
                 <a:latin typeface="Courier New"/>
                 <a:cs typeface="Courier New"/>
               </a:rPr>
@@ -5050,7 +4891,7 @@
               <a:buNone/>
             </a:pPr>
             <a:r>
-              <a:rPr lang="en-US" sz="1600" dirty="0" smtClean="0">
+              <a:rPr lang="en-US" sz="1600" dirty="0">
                 <a:latin typeface="Courier New"/>
                 <a:cs typeface="Courier New"/>
               </a:rPr>
@@ -5061,7 +4902,7 @@
             <a:pPr marL="0" indent="0">
               <a:buNone/>
             </a:pPr>
-            <a:endParaRPr lang="en-US" sz="1600" dirty="0" smtClean="0">
+            <a:endParaRPr lang="en-US" sz="1600" dirty="0">
               <a:latin typeface="Courier New"/>
               <a:cs typeface="Courier New"/>
             </a:endParaRPr>
@@ -5071,18 +4912,11 @@
               <a:buNone/>
             </a:pPr>
             <a:r>
-              <a:rPr lang="en-US" sz="1600" b="1" dirty="0" smtClean="0">
-                <a:latin typeface="Courier New"/>
-                <a:cs typeface="Courier New"/>
-              </a:rPr>
-              <a:t>sort </a:t>
-            </a:r>
-            <a:r>
               <a:rPr lang="en-US" sz="1600" b="1" dirty="0">
                 <a:latin typeface="Courier New"/>
                 <a:cs typeface="Courier New"/>
               </a:rPr>
-              <a:t>-k 1,2 </a:t>
+              <a:t>sort -k 1,2 </a:t>
             </a:r>
             <a:r>
               <a:rPr lang="en-US" sz="1600" b="1" dirty="0" err="1">
@@ -5166,13 +5000,6 @@
   <p:clrMapOvr>
     <a:masterClrMapping/>
   </p:clrMapOvr>
-  <p:timing>
-    <p:tnLst>
-      <p:par>
-        <p:cTn xmlns:p14="http://schemas.microsoft.com/office/powerpoint/2010/main" id="1" dur="indefinite" restart="never" nodeType="tmRoot"/>
-      </p:par>
-    </p:tnLst>
-  </p:timing>
 </p:sld>
 </file>
 
@@ -5209,7 +5036,7 @@
           <a:lstStyle/>
           <a:p>
             <a:r>
-              <a:rPr lang="en-US" b="1" dirty="0" smtClean="0">
+              <a:rPr lang="en-US" b="1" dirty="0">
                 <a:solidFill>
                   <a:srgbClr val="376092"/>
                 </a:solidFill>
@@ -5217,12 +5044,8 @@
               <a:t>find</a:t>
             </a:r>
             <a:r>
-              <a:rPr lang="en-US" dirty="0" smtClean="0"/>
-              <a:t> </a:t>
-            </a:r>
-            <a:r>
               <a:rPr lang="en-US" dirty="0"/>
-              <a:t>- search for files in a directory hierarchy</a:t>
+              <a:t> - search for files in a directory hierarchy</a:t>
             </a:r>
           </a:p>
         </p:txBody>
@@ -5277,26 +5100,29 @@
               <a:buNone/>
             </a:pPr>
             <a:r>
-              <a:rPr lang="en-US" sz="1800" dirty="0" smtClean="0">
-                <a:latin typeface="Courier New"/>
-                <a:cs typeface="Courier New"/>
-              </a:rPr>
-              <a:t># Finding </a:t>
-            </a:r>
-            <a:r>
               <a:rPr lang="en-US" sz="1800" dirty="0">
                 <a:latin typeface="Courier New"/>
                 <a:cs typeface="Courier New"/>
               </a:rPr>
-              <a:t>files </a:t>
-            </a:r>
-            <a:r>
-              <a:rPr lang="en-US" sz="1800" dirty="0" smtClean="0">
-                <a:latin typeface="Courier New"/>
-                <a:cs typeface="Courier New"/>
-              </a:rPr>
-              <a:t>&gt;10M</a:t>
-            </a:r>
+              <a:t># Finding files &gt;10M</a:t>
+            </a:r>
+          </a:p>
+          <a:p>
+            <a:pPr marL="0" indent="0">
+              <a:buNone/>
+            </a:pPr>
+            <a:r>
+              <a:rPr lang="en-US" sz="1800" dirty="0">
+                <a:latin typeface="Courier New"/>
+                <a:cs typeface="Courier New"/>
+              </a:rPr>
+              <a:t>find . -size +10M</a:t>
+            </a:r>
+          </a:p>
+          <a:p>
+            <a:pPr marL="0" indent="0">
+              <a:buNone/>
+            </a:pPr>
             <a:endParaRPr lang="en-US" sz="1800" dirty="0">
               <a:latin typeface="Courier New"/>
               <a:cs typeface="Courier New"/>
@@ -5311,7 +5137,19 @@
                 <a:latin typeface="Courier New"/>
                 <a:cs typeface="Courier New"/>
               </a:rPr>
-              <a:t>find . -size +10M</a:t>
+              <a:t># Finding files &lt;10M</a:t>
+            </a:r>
+          </a:p>
+          <a:p>
+            <a:pPr marL="0" indent="0">
+              <a:buNone/>
+            </a:pPr>
+            <a:r>
+              <a:rPr lang="en-US" sz="1800" dirty="0">
+                <a:latin typeface="Courier New"/>
+                <a:cs typeface="Courier New"/>
+              </a:rPr>
+              <a:t>find . -size -10M</a:t>
             </a:r>
           </a:p>
           <a:p>
@@ -5328,26 +5166,43 @@
               <a:buNone/>
             </a:pPr>
             <a:r>
-              <a:rPr lang="en-US" sz="1800" dirty="0" smtClean="0">
-                <a:latin typeface="Courier New"/>
-                <a:cs typeface="Courier New"/>
-              </a:rPr>
-              <a:t># Finding </a:t>
-            </a:r>
-            <a:r>
               <a:rPr lang="en-US" sz="1800" dirty="0">
                 <a:latin typeface="Courier New"/>
                 <a:cs typeface="Courier New"/>
               </a:rPr>
-              <a:t>files </a:t>
-            </a:r>
-            <a:r>
-              <a:rPr lang="en-US" sz="1800" dirty="0" smtClean="0">
-                <a:latin typeface="Courier New"/>
-                <a:cs typeface="Courier New"/>
-              </a:rPr>
-              <a:t>&lt;10M</a:t>
-            </a:r>
+              <a:t># find a file</a:t>
+            </a:r>
+          </a:p>
+          <a:p>
+            <a:pPr marL="0" indent="0">
+              <a:buNone/>
+            </a:pPr>
+            <a:r>
+              <a:rPr lang="en-US" sz="1800" dirty="0">
+                <a:latin typeface="Courier New"/>
+                <a:cs typeface="Courier New"/>
+              </a:rPr>
+              <a:t>find -name "</a:t>
+            </a:r>
+            <a:r>
+              <a:rPr lang="en-US" sz="1800" dirty="0" err="1">
+                <a:latin typeface="Courier New"/>
+                <a:cs typeface="Courier New"/>
+              </a:rPr>
+              <a:t>fruit.txt</a:t>
+            </a:r>
+            <a:r>
+              <a:rPr lang="en-US" sz="1800" dirty="0">
+                <a:latin typeface="Courier New"/>
+                <a:cs typeface="Courier New"/>
+              </a:rPr>
+              <a:t>"</a:t>
+            </a:r>
+          </a:p>
+          <a:p>
+            <a:pPr marL="0" indent="0">
+              <a:buNone/>
+            </a:pPr>
             <a:endParaRPr lang="en-US" sz="1800" dirty="0">
               <a:latin typeface="Courier New"/>
               <a:cs typeface="Courier New"/>
@@ -5362,174 +5217,48 @@
                 <a:latin typeface="Courier New"/>
                 <a:cs typeface="Courier New"/>
               </a:rPr>
-              <a:t>find . -size -10M</a:t>
-            </a:r>
-          </a:p>
-          <a:p>
-            <a:pPr marL="0" indent="0">
-              <a:buNone/>
-            </a:pPr>
-            <a:endParaRPr lang="en-US" sz="1800" dirty="0">
-              <a:latin typeface="Courier New"/>
-              <a:cs typeface="Courier New"/>
-            </a:endParaRPr>
-          </a:p>
-          <a:p>
-            <a:pPr marL="0" indent="0">
-              <a:buNone/>
-            </a:pPr>
-            <a:r>
-              <a:rPr lang="en-US" sz="1800" dirty="0" smtClean="0">
-                <a:latin typeface="Courier New"/>
-                <a:cs typeface="Courier New"/>
-              </a:rPr>
-              <a:t># find </a:t>
-            </a:r>
+              <a:t># find a file in the current directory</a:t>
+            </a:r>
+          </a:p>
+          <a:p>
+            <a:pPr marL="0" indent="0">
+              <a:buNone/>
+            </a:pPr>
             <a:r>
               <a:rPr lang="en-US" sz="1800" dirty="0">
                 <a:latin typeface="Courier New"/>
                 <a:cs typeface="Courier New"/>
               </a:rPr>
-              <a:t>a </a:t>
-            </a:r>
-            <a:r>
-              <a:rPr lang="en-US" sz="1800" dirty="0" smtClean="0">
-                <a:latin typeface="Courier New"/>
-                <a:cs typeface="Courier New"/>
-              </a:rPr>
-              <a:t>file</a:t>
-            </a:r>
-            <a:endParaRPr lang="en-US" sz="1800" dirty="0">
-              <a:latin typeface="Courier New"/>
-              <a:cs typeface="Courier New"/>
-            </a:endParaRPr>
-          </a:p>
-          <a:p>
-            <a:pPr marL="0" indent="0">
-              <a:buNone/>
-            </a:pPr>
+              <a:t>find -</a:t>
+            </a:r>
+            <a:r>
+              <a:rPr lang="en-US" sz="1800" dirty="0" err="1">
+                <a:latin typeface="Courier New"/>
+                <a:cs typeface="Courier New"/>
+              </a:rPr>
+              <a:t>maxdepth</a:t>
+            </a:r>
             <a:r>
               <a:rPr lang="en-US" sz="1800" dirty="0">
                 <a:latin typeface="Courier New"/>
                 <a:cs typeface="Courier New"/>
               </a:rPr>
-              <a:t>find -name </a:t>
-            </a:r>
-            <a:r>
-              <a:rPr lang="en-US" sz="1800" dirty="0" smtClean="0">
+              <a:t> 1 -name "</a:t>
+            </a:r>
+            <a:r>
+              <a:rPr lang="en-US" sz="1800" dirty="0" err="1">
+                <a:latin typeface="Courier New"/>
+                <a:cs typeface="Courier New"/>
+              </a:rPr>
+              <a:t>fruit.txt</a:t>
+            </a:r>
+            <a:r>
+              <a:rPr lang="en-US" sz="1800" dirty="0">
                 <a:latin typeface="Courier New"/>
                 <a:cs typeface="Courier New"/>
               </a:rPr>
               <a:t>"</a:t>
             </a:r>
-            <a:r>
-              <a:rPr lang="en-US" sz="1800" dirty="0" err="1" smtClean="0">
-                <a:latin typeface="Courier New"/>
-                <a:cs typeface="Courier New"/>
-              </a:rPr>
-              <a:t>fruit.txt</a:t>
-            </a:r>
-            <a:r>
-              <a:rPr lang="en-US" sz="1800" dirty="0" smtClean="0">
-                <a:latin typeface="Courier New"/>
-                <a:cs typeface="Courier New"/>
-              </a:rPr>
-              <a:t>"</a:t>
-            </a:r>
-            <a:endParaRPr lang="en-US" sz="1800" dirty="0">
-              <a:latin typeface="Courier New"/>
-              <a:cs typeface="Courier New"/>
-            </a:endParaRPr>
-          </a:p>
-          <a:p>
-            <a:pPr marL="0" indent="0">
-              <a:buNone/>
-            </a:pPr>
-            <a:endParaRPr lang="en-US" sz="1800" dirty="0">
-              <a:latin typeface="Courier New"/>
-              <a:cs typeface="Courier New"/>
-            </a:endParaRPr>
-          </a:p>
-          <a:p>
-            <a:pPr marL="0" indent="0">
-              <a:buNone/>
-            </a:pPr>
-            <a:r>
-              <a:rPr lang="en-US" sz="1800" dirty="0" smtClean="0">
-                <a:latin typeface="Courier New"/>
-                <a:cs typeface="Courier New"/>
-              </a:rPr>
-              <a:t># find a </a:t>
-            </a:r>
-            <a:r>
-              <a:rPr lang="en-US" sz="1800" dirty="0">
-                <a:latin typeface="Courier New"/>
-                <a:cs typeface="Courier New"/>
-              </a:rPr>
-              <a:t>file in the current </a:t>
-            </a:r>
-            <a:r>
-              <a:rPr lang="en-US" sz="1800" dirty="0" smtClean="0">
-                <a:latin typeface="Courier New"/>
-                <a:cs typeface="Courier New"/>
-              </a:rPr>
-              <a:t>directory</a:t>
-            </a:r>
-            <a:endParaRPr lang="en-US" sz="1800" dirty="0">
-              <a:latin typeface="Courier New"/>
-              <a:cs typeface="Courier New"/>
-            </a:endParaRPr>
-          </a:p>
-          <a:p>
-            <a:pPr marL="0" indent="0">
-              <a:buNone/>
-            </a:pPr>
-            <a:r>
-              <a:rPr lang="en-US" sz="1800" dirty="0">
-                <a:latin typeface="Courier New"/>
-                <a:cs typeface="Courier New"/>
-              </a:rPr>
-              <a:t>find -</a:t>
-            </a:r>
-            <a:r>
-              <a:rPr lang="en-US" sz="1800" dirty="0" err="1">
-                <a:latin typeface="Courier New"/>
-                <a:cs typeface="Courier New"/>
-              </a:rPr>
-              <a:t>maxdepth</a:t>
-            </a:r>
-            <a:r>
-              <a:rPr lang="en-US" sz="1800" dirty="0">
-                <a:latin typeface="Courier New"/>
-                <a:cs typeface="Courier New"/>
-              </a:rPr>
-              <a:t> 1 -name </a:t>
-            </a:r>
-            <a:r>
-              <a:rPr lang="en-US" sz="1800" dirty="0" smtClean="0">
-                <a:latin typeface="Courier New"/>
-                <a:cs typeface="Courier New"/>
-              </a:rPr>
-              <a:t>"</a:t>
-            </a:r>
-            <a:r>
-              <a:rPr lang="en-US" sz="1800" dirty="0" err="1" smtClean="0">
-                <a:latin typeface="Courier New"/>
-                <a:cs typeface="Courier New"/>
-              </a:rPr>
-              <a:t>fruit.txt</a:t>
-            </a:r>
-            <a:r>
-              <a:rPr lang="en-US" sz="1800" dirty="0" smtClean="0">
-                <a:latin typeface="Courier New"/>
-                <a:cs typeface="Courier New"/>
-              </a:rPr>
-              <a:t>"</a:t>
-            </a:r>
-            <a:endParaRPr lang="en-US" sz="1800" dirty="0">
-              <a:latin typeface="Courier New"/>
-              <a:cs typeface="Courier New"/>
-            </a:endParaRPr>
           </a:p>
           <a:p>
             <a:pPr marL="0" indent="0">
@@ -5575,13 +5304,6 @@
   <p:clrMapOvr>
     <a:masterClrMapping/>
   </p:clrMapOvr>
-  <p:timing>
-    <p:tnLst>
-      <p:par>
-        <p:cTn xmlns:p14="http://schemas.microsoft.com/office/powerpoint/2010/main" id="1" dur="indefinite" restart="never" nodeType="tmRoot"/>
-      </p:par>
-    </p:tnLst>
-  </p:timing>
 </p:sld>
 </file>
 
@@ -5618,7 +5340,7 @@
           <a:lstStyle/>
           <a:p>
             <a:r>
-              <a:rPr lang="en-US" b="1" dirty="0" err="1" smtClean="0">
+              <a:rPr lang="en-US" b="1" dirty="0" err="1">
                 <a:solidFill>
                   <a:srgbClr val="376092"/>
                 </a:solidFill>
@@ -5627,26 +5349,10 @@
             </a:r>
             <a:r>
               <a:rPr lang="en-US" dirty="0"/>
-              <a:t> -  a </a:t>
-            </a:r>
-            <a:r>
-              <a:rPr lang="en-US" dirty="0" smtClean="0"/>
-              <a:t>stream editor </a:t>
-            </a:r>
-            <a:r>
-              <a:rPr lang="en-US" dirty="0"/>
-              <a:t>used for modifying </a:t>
-            </a:r>
-            <a:r>
-              <a:rPr lang="en-US" dirty="0" smtClean="0"/>
-              <a:t>files </a:t>
-            </a:r>
-            <a:r>
-              <a:rPr lang="en-US" dirty="0"/>
-              <a:t>in </a:t>
-            </a:r>
-            <a:r>
-              <a:rPr lang="en-US" dirty="0" err="1" smtClean="0"/>
+              <a:t> -  a stream editor used for modifying files in </a:t>
+            </a:r>
+            <a:r>
+              <a:rPr lang="en-US" dirty="0" err="1"/>
               <a:t>unix</a:t>
             </a:r>
             <a:endParaRPr lang="en-US" dirty="0"/>
@@ -5860,19 +5566,8 @@
                 <a:latin typeface="Courier New"/>
                 <a:cs typeface="Courier New"/>
               </a:rPr>
-              <a:t>banana	</a:t>
-            </a:r>
-            <a:r>
-              <a:rPr lang="en-US" sz="1800" dirty="0" smtClean="0">
-                <a:latin typeface="Courier New"/>
-                <a:cs typeface="Courier New"/>
-              </a:rPr>
-              <a:t>5</a:t>
-            </a:r>
-            <a:endParaRPr lang="en-US" sz="1800" dirty="0">
-              <a:latin typeface="Courier New"/>
-              <a:cs typeface="Courier New"/>
-            </a:endParaRPr>
+              <a:t>banana	5</a:t>
+            </a:r>
           </a:p>
         </p:txBody>
       </p:sp>
@@ -6063,14 +5758,14 @@
               <a:buNone/>
             </a:pPr>
             <a:r>
-              <a:rPr lang="en-US" sz="1600" b="1" dirty="0" err="1" smtClean="0">
+              <a:rPr lang="en-US" sz="1600" b="1" dirty="0" err="1">
                 <a:latin typeface="Courier New"/>
                 <a:cs typeface="Courier New"/>
               </a:rPr>
               <a:t>fruit.txt</a:t>
             </a:r>
             <a:r>
-              <a:rPr lang="en-US" sz="1600" b="1" dirty="0" smtClean="0">
+              <a:rPr lang="en-US" sz="1600" b="1" dirty="0">
                 <a:latin typeface="Courier New"/>
                 <a:cs typeface="Courier New"/>
               </a:rPr>
@@ -6083,7 +5778,7 @@
               <a:buNone/>
             </a:pPr>
             <a:r>
-              <a:rPr lang="en-US" sz="1600" dirty="0" smtClean="0">
+              <a:rPr lang="en-US" sz="1600" dirty="0">
                 <a:latin typeface="Courier New"/>
                 <a:cs typeface="Courier New"/>
               </a:rPr>
@@ -6096,7 +5791,7 @@
               <a:buNone/>
             </a:pPr>
             <a:r>
-              <a:rPr lang="en-US" sz="1600" dirty="0" smtClean="0">
+              <a:rPr lang="en-US" sz="1600" dirty="0">
                 <a:latin typeface="Courier New"/>
                 <a:cs typeface="Courier New"/>
               </a:rPr>
@@ -6109,7 +5804,7 @@
               <a:buNone/>
             </a:pPr>
             <a:r>
-              <a:rPr lang="en-US" sz="1600" dirty="0" smtClean="0">
+              <a:rPr lang="en-US" sz="1600" dirty="0">
                 <a:latin typeface="Courier New"/>
                 <a:cs typeface="Courier New"/>
               </a:rPr>
@@ -6122,7 +5817,7 @@
               <a:buNone/>
             </a:pPr>
             <a:r>
-              <a:rPr lang="en-US" sz="1600" dirty="0" smtClean="0">
+              <a:rPr lang="en-US" sz="1600" dirty="0">
                 <a:latin typeface="Courier New"/>
                 <a:cs typeface="Courier New"/>
               </a:rPr>
@@ -6141,13 +5836,6 @@
   <p:clrMapOvr>
     <a:masterClrMapping/>
   </p:clrMapOvr>
-  <p:timing>
-    <p:tnLst>
-      <p:par>
-        <p:cTn xmlns:p14="http://schemas.microsoft.com/office/powerpoint/2010/main" id="1" dur="indefinite" restart="never" nodeType="tmRoot"/>
-      </p:par>
-    </p:tnLst>
-  </p:timing>
 </p:sld>
 </file>
 
@@ -6184,7 +5872,7 @@
           <a:lstStyle/>
           <a:p>
             <a:r>
-              <a:rPr lang="en-US" b="1" dirty="0" err="1" smtClean="0">
+              <a:rPr lang="en-US" b="1" dirty="0" err="1">
                 <a:solidFill>
                   <a:srgbClr val="376092"/>
                 </a:solidFill>
@@ -6192,10 +5880,9 @@
               <a:t>sed</a:t>
             </a:r>
             <a:r>
-              <a:rPr lang="en-US" dirty="0" smtClean="0"/>
+              <a:rPr lang="en-US" dirty="0"/>
               <a:t> - II</a:t>
             </a:r>
-            <a:endParaRPr lang="en-US" dirty="0"/>
           </a:p>
         </p:txBody>
       </p:sp>
@@ -6225,7 +5912,7 @@
               <a:buNone/>
             </a:pPr>
             <a:r>
-              <a:rPr lang="en-US" sz="1800" b="1" dirty="0" err="1" smtClean="0">
+              <a:rPr lang="en-US" sz="1800" b="1" dirty="0" err="1">
                 <a:solidFill>
                   <a:srgbClr val="376092"/>
                 </a:solidFill>
@@ -6233,16 +5920,6 @@
                 <a:cs typeface="Courier New"/>
               </a:rPr>
               <a:t>sed</a:t>
-            </a:r>
-            <a:r>
-              <a:rPr lang="en-US" sz="1800" b="1" dirty="0" smtClean="0">
-                <a:solidFill>
-                  <a:srgbClr val="376092"/>
-                </a:solidFill>
-                <a:latin typeface="Courier New"/>
-                <a:cs typeface="Courier New"/>
-              </a:rPr>
-              <a:t> </a:t>
             </a:r>
             <a:r>
               <a:rPr lang="en-US" sz="1800" b="1" dirty="0">
@@ -6252,7 +5929,7 @@
                 <a:latin typeface="Courier New"/>
                 <a:cs typeface="Courier New"/>
               </a:rPr>
-              <a:t>'s/apple/{&amp;}/' </a:t>
+              <a:t> 's/apple/{&amp;}/' </a:t>
             </a:r>
             <a:r>
               <a:rPr lang="en-US" sz="1800" b="1" dirty="0" err="1">
@@ -6608,14 +6285,14 @@
               <a:buNone/>
             </a:pPr>
             <a:r>
-              <a:rPr lang="en-US" sz="1600" b="1" dirty="0" err="1" smtClean="0">
+              <a:rPr lang="en-US" sz="1600" b="1" dirty="0" err="1">
                 <a:latin typeface="Courier New"/>
                 <a:cs typeface="Courier New"/>
               </a:rPr>
               <a:t>fruit.txt</a:t>
             </a:r>
             <a:r>
-              <a:rPr lang="en-US" sz="1600" b="1" dirty="0" smtClean="0">
+              <a:rPr lang="en-US" sz="1600" b="1" dirty="0">
                 <a:latin typeface="Courier New"/>
                 <a:cs typeface="Courier New"/>
               </a:rPr>
@@ -6628,7 +6305,7 @@
               <a:buNone/>
             </a:pPr>
             <a:r>
-              <a:rPr lang="en-US" sz="1600" dirty="0" smtClean="0">
+              <a:rPr lang="en-US" sz="1600" dirty="0">
                 <a:latin typeface="Courier New"/>
                 <a:cs typeface="Courier New"/>
               </a:rPr>
@@ -6641,7 +6318,7 @@
               <a:buNone/>
             </a:pPr>
             <a:r>
-              <a:rPr lang="en-US" sz="1600" dirty="0" smtClean="0">
+              <a:rPr lang="en-US" sz="1600" dirty="0">
                 <a:latin typeface="Courier New"/>
                 <a:cs typeface="Courier New"/>
               </a:rPr>
@@ -6654,7 +6331,7 @@
               <a:buNone/>
             </a:pPr>
             <a:r>
-              <a:rPr lang="en-US" sz="1600" dirty="0" smtClean="0">
+              <a:rPr lang="en-US" sz="1600" dirty="0">
                 <a:latin typeface="Courier New"/>
                 <a:cs typeface="Courier New"/>
               </a:rPr>
@@ -6667,7 +6344,7 @@
               <a:buNone/>
             </a:pPr>
             <a:r>
-              <a:rPr lang="en-US" sz="1600" dirty="0" smtClean="0">
+              <a:rPr lang="en-US" sz="1600" dirty="0">
                 <a:latin typeface="Courier New"/>
                 <a:cs typeface="Courier New"/>
               </a:rPr>
@@ -6686,13 +6363,6 @@
   <p:clrMapOvr>
     <a:masterClrMapping/>
   </p:clrMapOvr>
-  <p:timing>
-    <p:tnLst>
-      <p:par>
-        <p:cTn xmlns:p14="http://schemas.microsoft.com/office/powerpoint/2010/main" id="1" dur="indefinite" restart="never" nodeType="tmRoot"/>
-      </p:par>
-    </p:tnLst>
-  </p:timing>
 </p:sld>
 </file>
 
@@ -6729,7 +6399,7 @@
           <a:lstStyle/>
           <a:p>
             <a:r>
-              <a:rPr lang="en-US" b="1" dirty="0" err="1" smtClean="0">
+              <a:rPr lang="en-US" b="1" dirty="0" err="1">
                 <a:solidFill>
                   <a:srgbClr val="376092"/>
                 </a:solidFill>
@@ -6768,21 +6438,21 @@
               <a:buNone/>
             </a:pPr>
             <a:r>
-              <a:rPr lang="en-US" dirty="0" err="1" smtClean="0">
+              <a:rPr lang="en-US" dirty="0" err="1">
                 <a:latin typeface="Courier New"/>
                 <a:cs typeface="Courier New"/>
               </a:rPr>
               <a:t>wget</a:t>
             </a:r>
             <a:r>
-              <a:rPr lang="en-US" dirty="0" smtClean="0">
+              <a:rPr lang="en-US" dirty="0">
                 <a:latin typeface="Courier New"/>
                 <a:cs typeface="Courier New"/>
               </a:rPr>
               <a:t> &lt;</a:t>
             </a:r>
             <a:r>
-              <a:rPr lang="en-US" dirty="0" err="1" smtClean="0">
+              <a:rPr lang="en-US" dirty="0" err="1">
                 <a:latin typeface="Courier New"/>
                 <a:cs typeface="Courier New"/>
               </a:rPr>
@@ -6793,29 +6463,22 @@
                 <a:latin typeface="Courier New"/>
                 <a:cs typeface="Courier New"/>
               </a:rPr>
-              <a:t> </a:t>
-            </a:r>
-            <a:r>
-              <a:rPr lang="en-US" dirty="0" smtClean="0">
-                <a:latin typeface="Courier New"/>
-                <a:cs typeface="Courier New"/>
-              </a:rPr>
-              <a:t>link to a file&gt;</a:t>
-            </a:r>
-          </a:p>
-          <a:p>
-            <a:pPr marL="0" indent="0">
-              <a:buNone/>
-            </a:pPr>
-            <a:r>
-              <a:rPr lang="en-US" dirty="0" err="1" smtClean="0">
+              <a:t> link to a file&gt;</a:t>
+            </a:r>
+          </a:p>
+          <a:p>
+            <a:pPr marL="0" indent="0">
+              <a:buNone/>
+            </a:pPr>
+            <a:r>
+              <a:rPr lang="en-US" dirty="0" err="1">
                 <a:latin typeface="Courier New"/>
                 <a:cs typeface="Courier New"/>
               </a:rPr>
               <a:t>wget</a:t>
             </a:r>
             <a:r>
-              <a:rPr lang="en-US" dirty="0" smtClean="0">
+              <a:rPr lang="en-US" dirty="0">
                 <a:latin typeface="Courier New"/>
                 <a:cs typeface="Courier New"/>
               </a:rPr>
@@ -6826,7 +6489,7 @@
             <a:pPr marL="0" indent="0">
               <a:buNone/>
             </a:pPr>
-            <a:endParaRPr lang="en-US" dirty="0" smtClean="0">
+            <a:endParaRPr lang="en-US" dirty="0">
               <a:latin typeface="Courier New"/>
               <a:cs typeface="Courier New"/>
             </a:endParaRPr>
@@ -6836,7 +6499,7 @@
               <a:buNone/>
             </a:pPr>
             <a:r>
-              <a:rPr lang="en-US" dirty="0" smtClean="0">
+              <a:rPr lang="en-US" dirty="0">
                 <a:latin typeface="Courier New"/>
                 <a:cs typeface="Courier New"/>
               </a:rPr>
@@ -6847,7 +6510,7 @@
             <a:pPr marL="0" indent="0">
               <a:buNone/>
             </a:pPr>
-            <a:endParaRPr lang="en-US" sz="2000" dirty="0" smtClean="0">
+            <a:endParaRPr lang="en-US" sz="2000" dirty="0">
               <a:latin typeface="Courier New"/>
               <a:cs typeface="Courier New"/>
             </a:endParaRPr>
@@ -6857,7 +6520,7 @@
               <a:buNone/>
             </a:pPr>
             <a:r>
-              <a:rPr lang="en-US" sz="2000" b="1" dirty="0" err="1" smtClean="0">
+              <a:rPr lang="en-US" sz="2000" b="1" dirty="0" err="1">
                 <a:solidFill>
                   <a:srgbClr val="376092"/>
                 </a:solidFill>
@@ -6865,16 +6528,6 @@
                 <a:cs typeface="Courier New"/>
               </a:rPr>
               <a:t>wget</a:t>
-            </a:r>
-            <a:r>
-              <a:rPr lang="en-US" sz="2000" b="1" dirty="0" smtClean="0">
-                <a:solidFill>
-                  <a:srgbClr val="376092"/>
-                </a:solidFill>
-                <a:latin typeface="Courier New"/>
-                <a:cs typeface="Courier New"/>
-              </a:rPr>
-              <a:t> http</a:t>
             </a:r>
             <a:r>
               <a:rPr lang="en-US" sz="2000" b="1" dirty="0">
@@ -6884,7 +6537,7 @@
                 <a:latin typeface="Courier New"/>
                 <a:cs typeface="Courier New"/>
               </a:rPr>
-              <a:t>://129.130.89.83/</a:t>
+              <a:t> http://129.130.89.83/</a:t>
             </a:r>
             <a:r>
               <a:rPr lang="en-US" sz="2000" b="1" dirty="0" err="1">
@@ -6968,13 +6621,6 @@
   <p:clrMapOvr>
     <a:masterClrMapping/>
   </p:clrMapOvr>
-  <p:timing>
-    <p:tnLst>
-      <p:par>
-        <p:cTn xmlns:p14="http://schemas.microsoft.com/office/powerpoint/2010/main" id="1" dur="indefinite" restart="never" nodeType="tmRoot"/>
-      </p:par>
-    </p:tnLst>
-  </p:timing>
 </p:sld>
 </file>
 
@@ -7011,7 +6657,7 @@
           <a:lstStyle/>
           <a:p>
             <a:r>
-              <a:rPr lang="en-US" b="1" dirty="0" err="1" smtClean="0">
+              <a:rPr lang="en-US" b="1" dirty="0" err="1">
                 <a:solidFill>
                   <a:srgbClr val="376092"/>
                 </a:solidFill>
@@ -7052,72 +6698,54 @@
               <a:buNone/>
             </a:pPr>
             <a:r>
-              <a:rPr lang="en-US" sz="2000" dirty="0" err="1" smtClean="0">
+              <a:rPr lang="en-US" sz="2000" dirty="0" err="1">
                 <a:latin typeface="Courier New"/>
                 <a:cs typeface="Courier New"/>
               </a:rPr>
               <a:t>scp</a:t>
             </a:r>
             <a:r>
-              <a:rPr lang="en-US" sz="2000" dirty="0" smtClean="0">
+              <a:rPr lang="en-US" sz="2000" dirty="0">
                 <a:latin typeface="Courier New"/>
                 <a:cs typeface="Courier New"/>
               </a:rPr>
               <a:t> </a:t>
             </a:r>
             <a:r>
-              <a:rPr lang="en-US" sz="2000" dirty="0" err="1" smtClean="0">
+              <a:rPr lang="en-US" sz="2000" dirty="0" err="1">
                 <a:latin typeface="Courier New"/>
                 <a:cs typeface="Courier New"/>
               </a:rPr>
               <a:t>user@hostname:directory</a:t>
             </a:r>
             <a:r>
-              <a:rPr lang="en-US" sz="2000" dirty="0" smtClean="0">
+              <a:rPr lang="en-US" sz="2000" dirty="0">
                 <a:latin typeface="Courier New"/>
                 <a:cs typeface="Courier New"/>
               </a:rPr>
               <a:t>/</a:t>
             </a:r>
             <a:r>
-              <a:rPr lang="en-US" sz="2000" dirty="0" err="1" smtClean="0">
+              <a:rPr lang="en-US" sz="2000" dirty="0" err="1">
                 <a:latin typeface="Courier New"/>
                 <a:cs typeface="Courier New"/>
               </a:rPr>
               <a:t>remotefile</a:t>
             </a:r>
             <a:r>
-              <a:rPr lang="en-US" sz="2000" dirty="0" smtClean="0">
+              <a:rPr lang="en-US" sz="2000" dirty="0">
                 <a:latin typeface="Courier New"/>
                 <a:cs typeface="Courier New"/>
               </a:rPr>
               <a:t> </a:t>
             </a:r>
             <a:r>
-              <a:rPr lang="en-US" sz="2000" dirty="0" err="1" smtClean="0">
+              <a:rPr lang="en-US" sz="2000" dirty="0" err="1">
                 <a:latin typeface="Courier New"/>
                 <a:cs typeface="Courier New"/>
               </a:rPr>
               <a:t>localfile</a:t>
             </a:r>
-            <a:endParaRPr lang="en-US" sz="2000" dirty="0" smtClean="0">
-              <a:latin typeface="Courier New"/>
-              <a:cs typeface="Courier New"/>
-            </a:endParaRPr>
-          </a:p>
-          <a:p>
-            <a:pPr marL="0" indent="0">
-              <a:buNone/>
-            </a:pPr>
-            <a:endParaRPr lang="en-US" sz="2000" dirty="0" smtClean="0">
-              <a:latin typeface="Courier New"/>
-              <a:cs typeface="Courier New"/>
-            </a:endParaRPr>
-          </a:p>
-          <a:p>
-            <a:pPr marL="0" indent="0">
-              <a:buNone/>
-            </a:pPr>
             <a:endParaRPr lang="en-US" sz="2000" dirty="0">
               <a:latin typeface="Courier New"/>
               <a:cs typeface="Courier New"/>
@@ -7127,8 +6755,26 @@
             <a:pPr marL="0" indent="0">
               <a:buNone/>
             </a:pPr>
-            <a:r>
-              <a:rPr lang="en-US" sz="2000" b="1" dirty="0" err="1" smtClean="0">
+            <a:endParaRPr lang="en-US" sz="2000" dirty="0">
+              <a:latin typeface="Courier New"/>
+              <a:cs typeface="Courier New"/>
+            </a:endParaRPr>
+          </a:p>
+          <a:p>
+            <a:pPr marL="0" indent="0">
+              <a:buNone/>
+            </a:pPr>
+            <a:endParaRPr lang="en-US" sz="2000" dirty="0">
+              <a:latin typeface="Courier New"/>
+              <a:cs typeface="Courier New"/>
+            </a:endParaRPr>
+          </a:p>
+          <a:p>
+            <a:pPr marL="0" indent="0">
+              <a:buNone/>
+            </a:pPr>
+            <a:r>
+              <a:rPr lang="en-US" sz="2000" b="1" dirty="0" err="1">
                 <a:solidFill>
                   <a:srgbClr val="376092"/>
                 </a:solidFill>
@@ -7138,7 +6784,7 @@
               <a:t>scp</a:t>
             </a:r>
             <a:r>
-              <a:rPr lang="en-US" sz="2000" b="1" dirty="0" smtClean="0">
+              <a:rPr lang="en-US" sz="2000" b="1" dirty="0">
                 <a:solidFill>
                   <a:srgbClr val="376092"/>
                 </a:solidFill>
@@ -7148,7 +6794,7 @@
               <a:t> &lt;</a:t>
             </a:r>
             <a:r>
-              <a:rPr lang="en-US" sz="2000" b="1" dirty="0" err="1" smtClean="0">
+              <a:rPr lang="en-US" sz="2000" b="1" dirty="0" err="1">
                 <a:solidFill>
                   <a:srgbClr val="376092"/>
                 </a:solidFill>
@@ -7158,7 +6804,7 @@
               <a:t>eid</a:t>
             </a:r>
             <a:r>
-              <a:rPr lang="en-US" sz="2000" b="1" dirty="0" smtClean="0">
+              <a:rPr lang="en-US" sz="2000" b="1" dirty="0">
                 <a:solidFill>
                   <a:srgbClr val="376092"/>
                 </a:solidFill>
@@ -7168,7 +6814,7 @@
               <a:t>&gt;@</a:t>
             </a:r>
             <a:r>
-              <a:rPr lang="en-US" sz="2000" b="1" dirty="0" err="1" smtClean="0">
+              <a:rPr lang="en-US" sz="2000" b="1" dirty="0" err="1">
                 <a:solidFill>
                   <a:srgbClr val="376092"/>
                 </a:solidFill>
@@ -7178,7 +6824,7 @@
               <a:t>beocat.cis.ksu.edu</a:t>
             </a:r>
             <a:r>
-              <a:rPr lang="en-US" sz="2000" b="1" dirty="0" smtClean="0">
+              <a:rPr lang="en-US" sz="2000" b="1" dirty="0">
                 <a:solidFill>
                   <a:srgbClr val="376092"/>
                 </a:solidFill>
@@ -7187,13 +6833,6 @@
               </a:rPr>
               <a:t>:&lt;path/files&gt; .</a:t>
             </a:r>
-            <a:endParaRPr lang="en-US" sz="2000" b="1" dirty="0">
-              <a:solidFill>
-                <a:srgbClr val="376092"/>
-              </a:solidFill>
-              <a:latin typeface="Courier New"/>
-              <a:cs typeface="Courier New"/>
-            </a:endParaRPr>
           </a:p>
         </p:txBody>
       </p:sp>
@@ -7230,13 +6869,6 @@
   <p:clrMapOvr>
     <a:masterClrMapping/>
   </p:clrMapOvr>
-  <p:timing>
-    <p:tnLst>
-      <p:par>
-        <p:cTn xmlns:p14="http://schemas.microsoft.com/office/powerpoint/2010/main" id="1" dur="indefinite" restart="never" nodeType="tmRoot"/>
-      </p:par>
-    </p:tnLst>
-  </p:timing>
 </p:sld>
 </file>
 
@@ -7274,14 +6906,15 @@
           </a:xfrm>
         </p:spPr>
         <p:txBody>
-          <a:bodyPr/>
-          <a:lstStyle/>
-          <a:p>
-            <a:r>
-              <a:rPr lang="en-US" dirty="0" smtClean="0"/>
+          <a:bodyPr>
+            <a:normAutofit/>
+          </a:bodyPr>
+          <a:lstStyle/>
+          <a:p>
+            <a:r>
+              <a:rPr lang="en-US" sz="3600" dirty="0"/>
               <a:t>Goal of today’s lab</a:t>
             </a:r>
-            <a:endParaRPr lang="en-US" dirty="0"/>
           </a:p>
         </p:txBody>
       </p:sp>
@@ -7454,7 +7087,7 @@
               <a:buFont typeface="Arial"/>
               <a:buNone/>
             </a:pPr>
-            <a:endParaRPr lang="en-US" sz="3200" dirty="0" smtClean="0"/>
+            <a:endParaRPr lang="en-US" sz="3200" dirty="0"/>
           </a:p>
           <a:p>
             <a:pPr marL="0" indent="0">
@@ -7462,26 +7095,26 @@
               <a:buNone/>
             </a:pPr>
             <a:r>
-              <a:rPr lang="en-US" sz="3200" dirty="0" err="1" smtClean="0"/>
+              <a:rPr lang="en-US" sz="3200" dirty="0" err="1"/>
               <a:t>ssh</a:t>
             </a:r>
             <a:r>
-              <a:rPr lang="en-US" sz="3200" dirty="0" smtClean="0"/>
+              <a:rPr lang="en-US" sz="3200" dirty="0"/>
               <a:t> -l &lt;</a:t>
             </a:r>
             <a:r>
-              <a:rPr lang="en-US" sz="3200" dirty="0" err="1" smtClean="0"/>
+              <a:rPr lang="en-US" sz="3200" dirty="0" err="1"/>
               <a:t>eID</a:t>
             </a:r>
             <a:r>
-              <a:rPr lang="en-US" sz="3200" dirty="0" smtClean="0"/>
+              <a:rPr lang="en-US" sz="3200" dirty="0"/>
               <a:t>&gt; </a:t>
             </a:r>
             <a:r>
-              <a:rPr lang="en-US" sz="3200" dirty="0" err="1" smtClean="0"/>
+              <a:rPr lang="en-US" sz="3200" dirty="0" err="1"/>
               <a:t>beocat.cis.ksu.edu</a:t>
             </a:r>
-            <a:endParaRPr lang="en-US" sz="3200" dirty="0" smtClean="0"/>
+            <a:endParaRPr lang="en-US" sz="3200" dirty="0"/>
           </a:p>
           <a:p>
             <a:pPr marL="0" indent="0">
@@ -7489,7 +7122,7 @@
               <a:buNone/>
             </a:pPr>
             <a:r>
-              <a:rPr lang="en-US" sz="3200" dirty="0" smtClean="0"/>
+              <a:rPr lang="en-US" sz="3200" dirty="0"/>
               <a:t>Password</a:t>
             </a:r>
           </a:p>
@@ -7498,7 +7131,7 @@
               <a:buFont typeface="Arial"/>
               <a:buNone/>
             </a:pPr>
-            <a:endParaRPr lang="en-US" sz="3200" dirty="0" smtClean="0"/>
+            <a:endParaRPr lang="en-US" sz="3200" dirty="0"/>
           </a:p>
           <a:p>
             <a:pPr marL="0" indent="0">
@@ -7506,7 +7139,7 @@
               <a:buNone/>
             </a:pPr>
             <a:r>
-              <a:rPr lang="en-US" sz="3200" dirty="0" smtClean="0"/>
+              <a:rPr lang="en-US" sz="3200" dirty="0"/>
               <a:t>*Putty login is different</a:t>
             </a:r>
           </a:p>
@@ -7515,28 +7148,28 @@
               <a:buFont typeface="Arial"/>
               <a:buNone/>
             </a:pPr>
-            <a:endParaRPr lang="en-US" sz="3200" dirty="0" smtClean="0"/>
+            <a:endParaRPr lang="en-US" sz="3200" dirty="0"/>
           </a:p>
           <a:p>
             <a:pPr>
               <a:buFontTx/>
               <a:buChar char="•"/>
             </a:pPr>
-            <a:endParaRPr lang="en-US" sz="3200" dirty="0" smtClean="0"/>
+            <a:endParaRPr lang="en-US" sz="3200" dirty="0"/>
           </a:p>
           <a:p>
             <a:pPr marL="0" indent="0">
               <a:buFont typeface="Arial"/>
               <a:buNone/>
             </a:pPr>
-            <a:endParaRPr lang="en-US" sz="3200" dirty="0" smtClean="0"/>
+            <a:endParaRPr lang="en-US" sz="3200" dirty="0"/>
           </a:p>
           <a:p>
             <a:pPr marL="0" indent="0">
               <a:buFont typeface="Arial"/>
               <a:buNone/>
             </a:pPr>
-            <a:endParaRPr lang="en-US" sz="3200" dirty="0" smtClean="0"/>
+            <a:endParaRPr lang="en-US" sz="3200" dirty="0"/>
           </a:p>
           <a:p>
             <a:pPr marL="0" indent="0">
@@ -7557,13 +7190,6 @@
   <p:clrMapOvr>
     <a:masterClrMapping/>
   </p:clrMapOvr>
-  <p:timing>
-    <p:tnLst>
-      <p:par>
-        <p:cTn xmlns:p14="http://schemas.microsoft.com/office/powerpoint/2010/main" id="1" dur="indefinite" restart="never" nodeType="tmRoot"/>
-      </p:par>
-    </p:tnLst>
-  </p:timing>
 </p:sld>
 </file>
 
@@ -7601,14 +7227,10 @@
           <a:p>
             <a:r>
               <a:rPr lang="en-US" dirty="0"/>
-              <a:t>d</a:t>
-            </a:r>
-            <a:r>
-              <a:rPr lang="en-US" dirty="0" smtClean="0"/>
-              <a:t>ate and </a:t>
-            </a:r>
-            <a:r>
-              <a:rPr lang="en-US" dirty="0" err="1" smtClean="0"/>
+              <a:t>date and </a:t>
+            </a:r>
+            <a:r>
+              <a:rPr lang="en-US" dirty="0" err="1"/>
               <a:t>cal</a:t>
             </a:r>
             <a:endParaRPr lang="en-US" dirty="0"/>
@@ -7638,7 +7260,7 @@
           <a:lstStyle/>
           <a:p>
             <a:r>
-              <a:rPr lang="en-US" dirty="0" smtClean="0"/>
+              <a:rPr lang="en-US" dirty="0"/>
               <a:t>date</a:t>
             </a:r>
           </a:p>
@@ -7648,11 +7270,7 @@
             </a:pPr>
             <a:r>
               <a:rPr lang="en-US" dirty="0"/>
-              <a:t>d</a:t>
-            </a:r>
-            <a:r>
-              <a:rPr lang="en-US" dirty="0" smtClean="0"/>
-              <a:t>ate</a:t>
+              <a:t>date</a:t>
             </a:r>
           </a:p>
           <a:p>
@@ -7661,79 +7279,60 @@
             </a:pPr>
             <a:r>
               <a:rPr lang="en-US" dirty="0"/>
-              <a:t>d</a:t>
-            </a:r>
-            <a:r>
-              <a:rPr lang="en-US" dirty="0" smtClean="0"/>
-              <a:t>ate -I</a:t>
-            </a:r>
+              <a:t>date -I</a:t>
+            </a:r>
+          </a:p>
+          <a:p>
+            <a:pPr marL="0" indent="0">
+              <a:buNone/>
+            </a:pPr>
+            <a:r>
+              <a:rPr lang="en-US" dirty="0"/>
+              <a:t>date -R</a:t>
+            </a:r>
+          </a:p>
+          <a:p>
+            <a:pPr marL="0" indent="0">
+              <a:buNone/>
+            </a:pPr>
             <a:endParaRPr lang="en-US" dirty="0"/>
           </a:p>
           <a:p>
-            <a:pPr marL="0" indent="0">
-              <a:buNone/>
-            </a:pPr>
+            <a:r>
+              <a:rPr lang="en-US" dirty="0" err="1"/>
+              <a:t>cal</a:t>
+            </a:r>
+            <a:endParaRPr lang="en-US" dirty="0"/>
+          </a:p>
+          <a:p>
+            <a:pPr marL="0" indent="0">
+              <a:buNone/>
+            </a:pPr>
+            <a:r>
+              <a:rPr lang="en-US" dirty="0" err="1"/>
+              <a:t>cal</a:t>
+            </a:r>
+            <a:r>
+              <a:rPr lang="en-US"/>
+              <a:t> 2 </a:t>
+            </a:r>
             <a:r>
               <a:rPr lang="en-US" dirty="0"/>
-              <a:t>d</a:t>
-            </a:r>
-            <a:r>
-              <a:rPr lang="en-US" dirty="0" smtClean="0"/>
-              <a:t>ate -R</a:t>
-            </a:r>
-            <a:endParaRPr lang="en-US" dirty="0"/>
-          </a:p>
-          <a:p>
-            <a:pPr marL="0" indent="0">
-              <a:buNone/>
-            </a:pPr>
-            <a:endParaRPr lang="en-US" dirty="0"/>
-          </a:p>
-          <a:p>
+              <a:t>2016</a:t>
+            </a:r>
+          </a:p>
+          <a:p>
+            <a:pPr marL="0" indent="0">
+              <a:buNone/>
+            </a:pPr>
             <a:r>
               <a:rPr lang="en-US" dirty="0" err="1"/>
-              <a:t>c</a:t>
-            </a:r>
-            <a:r>
-              <a:rPr lang="en-US" dirty="0" err="1" smtClean="0"/>
-              <a:t>al</a:t>
-            </a:r>
-            <a:endParaRPr lang="en-US" dirty="0" smtClean="0"/>
-          </a:p>
-          <a:p>
-            <a:pPr marL="0" indent="0">
-              <a:buNone/>
-            </a:pPr>
-            <a:r>
-              <a:rPr lang="en-US" dirty="0" err="1" smtClean="0"/>
               <a:t>cal</a:t>
             </a:r>
             <a:r>
-              <a:rPr lang="en-US" smtClean="0"/>
-              <a:t> 2 </a:t>
-            </a:r>
-            <a:r>
-              <a:rPr lang="en-US" dirty="0" smtClean="0"/>
-              <a:t>2016</a:t>
-            </a:r>
-          </a:p>
-          <a:p>
-            <a:pPr marL="0" indent="0">
-              <a:buNone/>
-            </a:pPr>
-            <a:r>
-              <a:rPr lang="en-US" dirty="0" err="1"/>
-              <a:t>c</a:t>
-            </a:r>
-            <a:r>
-              <a:rPr lang="en-US" dirty="0" err="1" smtClean="0"/>
-              <a:t>al</a:t>
-            </a:r>
-            <a:r>
-              <a:rPr lang="en-US" dirty="0" smtClean="0"/>
+              <a:rPr lang="en-US" dirty="0"/>
               <a:t> 2016</a:t>
             </a:r>
-            <a:endParaRPr lang="en-US" dirty="0"/>
           </a:p>
         </p:txBody>
       </p:sp>
@@ -7747,13 +7346,6 @@
   <p:clrMapOvr>
     <a:masterClrMapping/>
   </p:clrMapOvr>
-  <p:timing>
-    <p:tnLst>
-      <p:par>
-        <p:cTn xmlns:p14="http://schemas.microsoft.com/office/powerpoint/2010/main" id="1" dur="indefinite" restart="never" nodeType="tmRoot"/>
-      </p:par>
-    </p:tnLst>
-  </p:timing>
 </p:sld>
 </file>
 
@@ -7790,10 +7382,9 @@
           <a:lstStyle/>
           <a:p>
             <a:r>
-              <a:rPr lang="en-US" dirty="0" smtClean="0"/>
+              <a:rPr lang="en-US" dirty="0"/>
               <a:t>sleep</a:t>
             </a:r>
-            <a:endParaRPr lang="en-US" dirty="0"/>
           </a:p>
         </p:txBody>
       </p:sp>
@@ -7821,16 +7412,12 @@
           <a:p>
             <a:r>
               <a:rPr lang="en-US" dirty="0"/>
-              <a:t>s</a:t>
-            </a:r>
-            <a:r>
-              <a:rPr lang="en-US" dirty="0" smtClean="0"/>
-              <a:t>leep</a:t>
+              <a:t>sleep</a:t>
             </a:r>
             <a:br>
-              <a:rPr lang="en-US" dirty="0" smtClean="0"/>
+              <a:rPr lang="en-US" dirty="0"/>
             </a:br>
-            <a:endParaRPr lang="en-US" dirty="0" smtClean="0"/>
+            <a:endParaRPr lang="en-US" dirty="0"/>
           </a:p>
           <a:p>
             <a:pPr marL="0" indent="0">
@@ -7838,11 +7425,7 @@
             </a:pPr>
             <a:r>
               <a:rPr lang="en-US" dirty="0"/>
-              <a:t>s</a:t>
-            </a:r>
-            <a:r>
-              <a:rPr lang="en-US" dirty="0" smtClean="0"/>
-              <a:t>leep 3s</a:t>
+              <a:t>sleep 3s</a:t>
             </a:r>
           </a:p>
           <a:p>
@@ -7851,11 +7434,7 @@
             </a:pPr>
             <a:r>
               <a:rPr lang="en-US" dirty="0"/>
-              <a:t>s</a:t>
-            </a:r>
-            <a:r>
-              <a:rPr lang="en-US" dirty="0" smtClean="0"/>
-              <a:t>leep 3</a:t>
+              <a:t>sleep 3</a:t>
             </a:r>
           </a:p>
           <a:p>
@@ -7864,13 +7443,8 @@
             </a:pPr>
             <a:r>
               <a:rPr lang="en-US" dirty="0"/>
-              <a:t>s</a:t>
-            </a:r>
-            <a:r>
-              <a:rPr lang="en-US" dirty="0" smtClean="0"/>
-              <a:t>leep 1m</a:t>
-            </a:r>
-            <a:endParaRPr lang="en-US" dirty="0"/>
+              <a:t>sleep 1m</a:t>
+            </a:r>
           </a:p>
         </p:txBody>
       </p:sp>
@@ -7884,13 +7458,6 @@
   <p:clrMapOvr>
     <a:masterClrMapping/>
   </p:clrMapOvr>
-  <p:timing>
-    <p:tnLst>
-      <p:par>
-        <p:cTn xmlns:p14="http://schemas.microsoft.com/office/powerpoint/2010/main" id="1" dur="indefinite" restart="never" nodeType="tmRoot"/>
-      </p:par>
-    </p:tnLst>
-  </p:timing>
 </p:sld>
 </file>
 
@@ -7927,10 +7494,9 @@
           <a:lstStyle/>
           <a:p>
             <a:r>
-              <a:rPr lang="en-US" dirty="0" smtClean="0"/>
+              <a:rPr lang="en-US" dirty="0"/>
               <a:t>clear, history</a:t>
             </a:r>
-            <a:endParaRPr lang="en-US" dirty="0"/>
           </a:p>
         </p:txBody>
       </p:sp>
@@ -7958,21 +7524,13 @@
           <a:p>
             <a:r>
               <a:rPr lang="en-US" dirty="0"/>
-              <a:t>c</a:t>
-            </a:r>
-            <a:r>
-              <a:rPr lang="en-US" dirty="0" smtClean="0"/>
-              <a:t>lear: clean the screen</a:t>
+              <a:t>clear: clean the screen</a:t>
             </a:r>
           </a:p>
           <a:p>
             <a:r>
               <a:rPr lang="en-US" dirty="0"/>
-              <a:t>h</a:t>
-            </a:r>
-            <a:r>
-              <a:rPr lang="en-US" dirty="0" smtClean="0"/>
-              <a:t>istory: display previous input command lines</a:t>
+              <a:t>history: display previous input command lines</a:t>
             </a:r>
           </a:p>
           <a:p>
@@ -7984,11 +7542,7 @@
             </a:pPr>
             <a:r>
               <a:rPr lang="en-US" dirty="0"/>
-              <a:t>c</a:t>
-            </a:r>
-            <a:r>
-              <a:rPr lang="en-US" dirty="0" smtClean="0"/>
-              <a:t>lear</a:t>
+              <a:t>clear</a:t>
             </a:r>
           </a:p>
           <a:p>
@@ -7997,11 +7551,7 @@
             </a:pPr>
             <a:r>
               <a:rPr lang="en-US" dirty="0"/>
-              <a:t>h</a:t>
-            </a:r>
-            <a:r>
-              <a:rPr lang="en-US" dirty="0" smtClean="0"/>
-              <a:t>istory</a:t>
+              <a:t>history</a:t>
             </a:r>
           </a:p>
           <a:p>
@@ -8010,11 +7560,7 @@
             </a:pPr>
             <a:r>
               <a:rPr lang="en-US" dirty="0"/>
-              <a:t>h</a:t>
-            </a:r>
-            <a:r>
-              <a:rPr lang="en-US" dirty="0" smtClean="0"/>
-              <a:t>istory | more</a:t>
+              <a:t>history | more</a:t>
             </a:r>
           </a:p>
           <a:p>
@@ -8023,18 +7569,14 @@
             </a:pPr>
             <a:r>
               <a:rPr lang="en-US" dirty="0"/>
-              <a:t>h</a:t>
-            </a:r>
-            <a:r>
-              <a:rPr lang="en-US" dirty="0" smtClean="0"/>
-              <a:t>istory | </a:t>
-            </a:r>
-            <a:r>
-              <a:rPr lang="en-US" dirty="0" err="1" smtClean="0"/>
+              <a:t>history | </a:t>
+            </a:r>
+            <a:r>
+              <a:rPr lang="en-US" dirty="0" err="1"/>
               <a:t>grep</a:t>
             </a:r>
             <a:r>
-              <a:rPr lang="en-US" dirty="0" smtClean="0"/>
+              <a:rPr lang="en-US" dirty="0"/>
               <a:t> “paste”</a:t>
             </a:r>
           </a:p>
@@ -8043,20 +7585,18 @@
               <a:buNone/>
             </a:pPr>
             <a:r>
-              <a:rPr lang="en-US" dirty="0" smtClean="0"/>
+              <a:rPr lang="en-US" dirty="0"/>
               <a:t>history &gt; practice01282016.sh</a:t>
             </a:r>
-            <a:endParaRPr lang="en-US" dirty="0"/>
-          </a:p>
-          <a:p>
-            <a:pPr marL="0" indent="0">
-              <a:buNone/>
-            </a:pPr>
-            <a:r>
-              <a:rPr lang="en-US" dirty="0" smtClean="0"/>
+          </a:p>
+          <a:p>
+            <a:pPr marL="0" indent="0">
+              <a:buNone/>
+            </a:pPr>
+            <a:r>
+              <a:rPr lang="en-US" dirty="0"/>
               <a:t>clear</a:t>
             </a:r>
-            <a:endParaRPr lang="en-US" dirty="0"/>
           </a:p>
         </p:txBody>
       </p:sp>
@@ -8070,13 +7610,6 @@
   <p:clrMapOvr>
     <a:masterClrMapping/>
   </p:clrMapOvr>
-  <p:timing>
-    <p:tnLst>
-      <p:par>
-        <p:cTn xmlns:p14="http://schemas.microsoft.com/office/powerpoint/2010/main" id="1" dur="indefinite" restart="never" nodeType="tmRoot"/>
-      </p:par>
-    </p:tnLst>
-  </p:timing>
 </p:sld>
 </file>
 
@@ -8113,11 +7646,11 @@
           <a:lstStyle/>
           <a:p>
             <a:r>
-              <a:rPr lang="en-US" dirty="0" smtClean="0"/>
+              <a:rPr lang="en-US" dirty="0"/>
               <a:t>data sharing in </a:t>
             </a:r>
             <a:r>
-              <a:rPr lang="en-US" dirty="0" err="1" smtClean="0"/>
+              <a:rPr lang="en-US" dirty="0" err="1"/>
               <a:t>Beocat</a:t>
             </a:r>
             <a:endParaRPr lang="en-US" dirty="0"/>
@@ -8150,10 +7683,9 @@
               <a:buNone/>
             </a:pPr>
             <a:r>
-              <a:rPr lang="en-US" sz="3200" dirty="0" smtClean="0"/>
+              <a:rPr lang="en-US" sz="3200" dirty="0"/>
               <a:t>work with your neighbors and see if you can see your neighbor's data</a:t>
             </a:r>
-            <a:endParaRPr lang="en-US" sz="3200" dirty="0"/>
           </a:p>
         </p:txBody>
       </p:sp>
@@ -8167,13 +7699,6 @@
   <p:clrMapOvr>
     <a:masterClrMapping/>
   </p:clrMapOvr>
-  <p:timing>
-    <p:tnLst>
-      <p:par>
-        <p:cTn xmlns:p14="http://schemas.microsoft.com/office/powerpoint/2010/main" id="1" dur="indefinite" restart="never" nodeType="tmRoot"/>
-      </p:par>
-    </p:tnLst>
-  </p:timing>
 </p:sld>
 </file>
 
@@ -8210,10 +7735,9 @@
           <a:lstStyle/>
           <a:p>
             <a:r>
-              <a:rPr lang="en-US" dirty="0" smtClean="0"/>
+              <a:rPr lang="en-US" dirty="0"/>
               <a:t>Modification of file/directory permissions</a:t>
             </a:r>
-            <a:endParaRPr lang="en-US" dirty="0"/>
           </a:p>
         </p:txBody>
       </p:sp>
@@ -8251,29 +7775,8 @@
             </a:r>
             <a:r>
               <a:rPr lang="en-US" dirty="0"/>
-              <a:t> </a:t>
-            </a:r>
-            <a:r>
-              <a:rPr lang="en-US" dirty="0" smtClean="0"/>
-              <a:t>- change </a:t>
-            </a:r>
-            <a:r>
-              <a:rPr lang="en-US" dirty="0"/>
-              <a:t>the access permissions to </a:t>
-            </a:r>
-            <a:r>
-              <a:rPr lang="en-US" dirty="0" smtClean="0"/>
-              <a:t>files </a:t>
-            </a:r>
-            <a:r>
-              <a:rPr lang="en-US" dirty="0"/>
-              <a:t>and </a:t>
-            </a:r>
-            <a:r>
-              <a:rPr lang="en-US" dirty="0" smtClean="0"/>
-              <a:t>directories</a:t>
-            </a:r>
-            <a:endParaRPr lang="en-US" dirty="0"/>
+              <a:t> - change the access permissions to files and directories</a:t>
+            </a:r>
           </a:p>
         </p:txBody>
       </p:sp>
@@ -8322,44 +7825,40 @@
           <a:lstStyle/>
           <a:p>
             <a:r>
-              <a:rPr lang="en-US" sz="2400" dirty="0" smtClean="0">
+              <a:rPr lang="en-US" sz="2400" dirty="0">
                 <a:latin typeface="Courier"/>
                 <a:cs typeface="Courier"/>
               </a:rPr>
               <a:t>% </a:t>
             </a:r>
             <a:r>
-              <a:rPr lang="en-US" sz="2400" dirty="0" err="1" smtClean="0">
+              <a:rPr lang="en-US" sz="2400" dirty="0" err="1">
                 <a:latin typeface="Courier"/>
                 <a:cs typeface="Courier"/>
               </a:rPr>
               <a:t>chmod</a:t>
             </a:r>
             <a:r>
-              <a:rPr lang="en-US" sz="2400" dirty="0" smtClean="0">
+              <a:rPr lang="en-US" sz="2400" dirty="0">
                 <a:latin typeface="Courier"/>
                 <a:cs typeface="Courier"/>
               </a:rPr>
               <a:t> </a:t>
             </a:r>
             <a:r>
-              <a:rPr lang="en-US" sz="2400" dirty="0" err="1" smtClean="0">
+              <a:rPr lang="en-US" sz="2400" dirty="0" err="1">
                 <a:latin typeface="Courier"/>
                 <a:cs typeface="Courier"/>
               </a:rPr>
               <a:t>g+w</a:t>
             </a:r>
             <a:r>
-              <a:rPr lang="en-US" sz="2400" dirty="0" smtClean="0">
+              <a:rPr lang="en-US" sz="2400" dirty="0">
                 <a:latin typeface="Courier"/>
                 <a:cs typeface="Courier"/>
               </a:rPr>
               <a:t> &lt;file name&gt;</a:t>
             </a:r>
-            <a:endParaRPr lang="en-US" sz="2400" dirty="0">
-              <a:latin typeface="Courier"/>
-              <a:cs typeface="Courier"/>
-            </a:endParaRPr>
           </a:p>
         </p:txBody>
       </p:sp>
@@ -8385,51 +7884,40 @@
           <a:lstStyle/>
           <a:p>
             <a:r>
-              <a:rPr lang="en-US" sz="2400" dirty="0" smtClean="0">
-                <a:latin typeface="Courier"/>
-                <a:cs typeface="Courier"/>
-              </a:rPr>
-              <a:t>% </a:t>
-            </a:r>
-            <a:r>
-              <a:rPr lang="en-US" sz="2400" dirty="0" err="1" smtClean="0">
-                <a:latin typeface="Courier"/>
-                <a:cs typeface="Courier"/>
-              </a:rPr>
-              <a:t>chmod</a:t>
-            </a:r>
-            <a:r>
-              <a:rPr lang="en-US" sz="2400" dirty="0" smtClean="0">
-                <a:latin typeface="Courier"/>
-                <a:cs typeface="Courier"/>
-              </a:rPr>
-              <a:t> </a:t>
-            </a:r>
-            <a:r>
-              <a:rPr lang="en-US" sz="2400" dirty="0" err="1" smtClean="0">
-                <a:latin typeface="Courier"/>
-                <a:cs typeface="Courier"/>
-              </a:rPr>
-              <a:t>ug</a:t>
-            </a:r>
-            <a:r>
               <a:rPr lang="en-US" sz="2400" dirty="0">
                 <a:latin typeface="Courier"/>
                 <a:cs typeface="Courier"/>
               </a:rPr>
-              <a:t>-</a:t>
-            </a:r>
-            <a:r>
-              <a:rPr lang="en-US" sz="2400" dirty="0" smtClean="0">
+              <a:t>% </a:t>
+            </a:r>
+            <a:r>
+              <a:rPr lang="en-US" sz="2400" dirty="0" err="1">
                 <a:latin typeface="Courier"/>
                 <a:cs typeface="Courier"/>
               </a:rPr>
-              <a:t>w &lt;file name&gt;</a:t>
-            </a:r>
-            <a:endParaRPr lang="en-US" sz="2400" dirty="0">
-              <a:latin typeface="Courier"/>
-              <a:cs typeface="Courier"/>
-            </a:endParaRPr>
+              <a:t>chmod</a:t>
+            </a:r>
+            <a:r>
+              <a:rPr lang="en-US" sz="2400" dirty="0">
+                <a:latin typeface="Courier"/>
+                <a:cs typeface="Courier"/>
+              </a:rPr>
+              <a:t> </a:t>
+            </a:r>
+            <a:r>
+              <a:rPr lang="en-US" sz="2400" dirty="0" err="1">
+                <a:latin typeface="Courier"/>
+                <a:cs typeface="Courier"/>
+              </a:rPr>
+              <a:t>ug</a:t>
+            </a:r>
+            <a:r>
+              <a:rPr lang="en-US" sz="2400" dirty="0">
+                <a:latin typeface="Courier"/>
+                <a:cs typeface="Courier"/>
+              </a:rPr>
+              <a:t>-w &lt;file name&gt;</a:t>
+            </a:r>
           </a:p>
         </p:txBody>
       </p:sp>
@@ -8455,51 +7943,40 @@
           <a:lstStyle/>
           <a:p>
             <a:r>
-              <a:rPr lang="en-US" sz="2400" dirty="0" smtClean="0">
+              <a:rPr lang="en-US" sz="2400" dirty="0">
                 <a:latin typeface="Courier"/>
                 <a:cs typeface="Courier"/>
               </a:rPr>
               <a:t>% </a:t>
-            </a:r>
-            <a:r>
-              <a:rPr lang="en-US" sz="2400" dirty="0" err="1" smtClean="0">
-                <a:latin typeface="Courier"/>
-                <a:cs typeface="Courier"/>
-              </a:rPr>
-              <a:t>chmod</a:t>
-            </a:r>
-            <a:r>
-              <a:rPr lang="en-US" sz="2400" dirty="0" smtClean="0">
-                <a:latin typeface="Courier"/>
-                <a:cs typeface="Courier"/>
-              </a:rPr>
-              <a:t> </a:t>
-            </a:r>
-            <a:r>
-              <a:rPr lang="en-US" sz="2400" dirty="0" err="1" smtClean="0">
-                <a:latin typeface="Courier"/>
-                <a:cs typeface="Courier"/>
-              </a:rPr>
-              <a:t>u+w,go-</a:t>
             </a:r>
             <a:r>
               <a:rPr lang="en-US" sz="2400" dirty="0" err="1">
                 <a:latin typeface="Courier"/>
                 <a:cs typeface="Courier"/>
               </a:rPr>
-              <a:t>r</a:t>
-            </a:r>
-            <a:r>
-              <a:rPr lang="en-US" sz="2400" dirty="0" smtClean="0">
+              <a:t>chmod</a:t>
+            </a:r>
+            <a:r>
+              <a:rPr lang="en-US" sz="2400" dirty="0">
                 <a:latin typeface="Courier"/>
                 <a:cs typeface="Courier"/>
               </a:rPr>
+              <a:t> </a:t>
+            </a:r>
+            <a:r>
+              <a:rPr lang="en-US" sz="2400" dirty="0" err="1">
+                <a:latin typeface="Courier"/>
+                <a:cs typeface="Courier"/>
+              </a:rPr>
+              <a:t>u+w,go-r</a:t>
+            </a:r>
+            <a:r>
+              <a:rPr lang="en-US" sz="2400" dirty="0">
+                <a:latin typeface="Courier"/>
+                <a:cs typeface="Courier"/>
+              </a:rPr>
               <a:t> &lt;file name&gt;</a:t>
             </a:r>
-            <a:endParaRPr lang="en-US" sz="2400" dirty="0">
-              <a:latin typeface="Courier"/>
-              <a:cs typeface="Courier"/>
-            </a:endParaRPr>
           </a:p>
         </p:txBody>
       </p:sp>
@@ -8513,13 +7990,6 @@
   <p:clrMapOvr>
     <a:masterClrMapping/>
   </p:clrMapOvr>
-  <p:timing>
-    <p:tnLst>
-      <p:par>
-        <p:cTn xmlns:p14="http://schemas.microsoft.com/office/powerpoint/2010/main" id="1" dur="indefinite" restart="never" nodeType="tmRoot"/>
-      </p:par>
-    </p:tnLst>
-  </p:timing>
 </p:sld>
 </file>
 
@@ -8561,11 +8031,11 @@
           <a:lstStyle/>
           <a:p>
             <a:r>
-              <a:rPr lang="en-US" dirty="0" smtClean="0"/>
+              <a:rPr lang="en-US" dirty="0"/>
               <a:t>Use </a:t>
             </a:r>
             <a:r>
-              <a:rPr lang="en-US" b="1" dirty="0" smtClean="0">
+              <a:rPr lang="en-US" b="1" dirty="0">
                 <a:solidFill>
                   <a:srgbClr val="17375E"/>
                 </a:solidFill>
@@ -8573,10 +8043,9 @@
               <a:t>man</a:t>
             </a:r>
             <a:r>
-              <a:rPr lang="en-US" dirty="0" smtClean="0"/>
+              <a:rPr lang="en-US" dirty="0"/>
               <a:t> to understand more about each command</a:t>
             </a:r>
-            <a:endParaRPr lang="en-US" dirty="0"/>
           </a:p>
         </p:txBody>
       </p:sp>
@@ -8607,13 +8076,8 @@
             </a:pPr>
             <a:r>
               <a:rPr lang="en-US" sz="4000" dirty="0"/>
-              <a:t>m</a:t>
-            </a:r>
-            <a:r>
-              <a:rPr lang="en-US" sz="4000" dirty="0" smtClean="0"/>
-              <a:t>an xxx</a:t>
-            </a:r>
-            <a:endParaRPr lang="en-US" sz="4000" dirty="0"/>
+              <a:t>man xxx</a:t>
+            </a:r>
           </a:p>
         </p:txBody>
       </p:sp>
@@ -8627,13 +8091,6 @@
   <p:clrMapOvr>
     <a:masterClrMapping/>
   </p:clrMapOvr>
-  <p:timing>
-    <p:tnLst>
-      <p:par>
-        <p:cTn xmlns:p14="http://schemas.microsoft.com/office/powerpoint/2010/main" id="1" dur="indefinite" restart="never" nodeType="tmRoot"/>
-      </p:par>
-    </p:tnLst>
-  </p:timing>
 </p:sld>
 </file>
 
@@ -8670,18 +8127,17 @@
           <a:lstStyle/>
           <a:p>
             <a:r>
-              <a:rPr lang="en-US" dirty="0" smtClean="0"/>
+              <a:rPr lang="en-US" dirty="0"/>
               <a:t>Organize your </a:t>
             </a:r>
             <a:r>
-              <a:rPr lang="en-US" dirty="0" err="1" smtClean="0"/>
+              <a:rPr lang="en-US" dirty="0" err="1"/>
               <a:t>Beocat</a:t>
             </a:r>
             <a:r>
-              <a:rPr lang="en-US" dirty="0" smtClean="0"/>
+              <a:rPr lang="en-US" dirty="0"/>
               <a:t> home</a:t>
             </a:r>
-            <a:endParaRPr lang="en-US" dirty="0"/>
           </a:p>
         </p:txBody>
       </p:sp>
@@ -8711,42 +8167,11 @@
               <a:buNone/>
             </a:pPr>
             <a:r>
-              <a:rPr lang="en-US" dirty="0" smtClean="0">
-                <a:latin typeface="Courier"/>
-                <a:cs typeface="Courier"/>
-              </a:rPr>
-              <a:t>~</a:t>
-            </a:r>
-          </a:p>
-          <a:p>
-            <a:pPr marL="0" indent="0">
-              <a:buNone/>
-            </a:pPr>
-            <a:r>
-              <a:rPr lang="en-US" dirty="0" smtClean="0">
-                <a:latin typeface="Courier"/>
-                <a:cs typeface="Courier"/>
-              </a:rPr>
-              <a:t>|---BA19</a:t>
-            </a:r>
-          </a:p>
-          <a:p>
-            <a:pPr marL="0" indent="0">
-              <a:buNone/>
-            </a:pPr>
-            <a:r>
               <a:rPr lang="en-US" dirty="0">
                 <a:latin typeface="Courier"/>
                 <a:cs typeface="Courier"/>
               </a:rPr>
-              <a:t>	 </a:t>
-            </a:r>
-            <a:r>
-              <a:rPr lang="en-US" dirty="0" smtClean="0">
-                <a:latin typeface="Courier"/>
-                <a:cs typeface="Courier"/>
-              </a:rPr>
-              <a:t>  |---labs</a:t>
+              <a:t>~</a:t>
             </a:r>
           </a:p>
           <a:p>
@@ -8758,21 +8183,38 @@
                 <a:latin typeface="Courier"/>
                 <a:cs typeface="Courier"/>
               </a:rPr>
-              <a:t>	</a:t>
-            </a:r>
-            <a:r>
-              <a:rPr lang="en-US" dirty="0" smtClean="0">
+              <a:t>|---BA19</a:t>
+            </a:r>
+          </a:p>
+          <a:p>
+            <a:pPr marL="0" indent="0">
+              <a:buNone/>
+            </a:pPr>
+            <a:r>
+              <a:rPr lang="en-US" dirty="0">
                 <a:latin typeface="Courier"/>
                 <a:cs typeface="Courier"/>
               </a:rPr>
-              <a:t>        |---lab02unix</a:t>
-            </a:r>
-          </a:p>
-          <a:p>
-            <a:pPr marL="0" indent="0">
-              <a:buNone/>
-            </a:pPr>
-            <a:endParaRPr lang="en-US" dirty="0" smtClean="0">
+              <a:t>	   |---labs</a:t>
+            </a:r>
+          </a:p>
+          <a:p>
+            <a:pPr marL="0" indent="0">
+              <a:buNone/>
+            </a:pPr>
+            <a:r>
+              <a:rPr lang="en-US" dirty="0">
+                <a:latin typeface="Courier"/>
+                <a:cs typeface="Courier"/>
+              </a:rPr>
+              <a:t>	        |---lab02unix</a:t>
+            </a:r>
+          </a:p>
+          <a:p>
+            <a:pPr marL="0" indent="0">
+              <a:buNone/>
+            </a:pPr>
+            <a:endParaRPr lang="en-US" dirty="0">
               <a:latin typeface="Courier"/>
               <a:cs typeface="Courier"/>
             </a:endParaRPr>
@@ -8806,14 +8248,7 @@
                 <a:latin typeface="Courier"/>
                 <a:cs typeface="Courier"/>
               </a:rPr>
-              <a:t>c</a:t>
-            </a:r>
-            <a:r>
-              <a:rPr lang="en-US" sz="2000" dirty="0" smtClean="0">
-                <a:latin typeface="Courier"/>
-                <a:cs typeface="Courier"/>
-              </a:rPr>
-              <a:t>d ~</a:t>
+              <a:t>cd ~</a:t>
             </a:r>
           </a:p>
           <a:p>
@@ -8822,37 +8257,23 @@
                 <a:latin typeface="Courier"/>
                 <a:cs typeface="Courier"/>
               </a:rPr>
-              <a:t>m</a:t>
-            </a:r>
-            <a:r>
-              <a:rPr lang="en-US" sz="2000" dirty="0" err="1" smtClean="0">
-                <a:latin typeface="Courier"/>
-                <a:cs typeface="Courier"/>
-              </a:rPr>
-              <a:t>kdir</a:t>
-            </a:r>
-            <a:r>
-              <a:rPr lang="en-US" sz="2000" dirty="0" smtClean="0">
-                <a:latin typeface="Courier"/>
-                <a:cs typeface="Courier"/>
-              </a:rPr>
-              <a:t> PLPTH813</a:t>
-            </a:r>
-          </a:p>
-          <a:p>
+              <a:t>mkdir</a:t>
+            </a:r>
             <a:r>
               <a:rPr lang="en-US" sz="2000" dirty="0">
                 <a:latin typeface="Courier"/>
                 <a:cs typeface="Courier"/>
               </a:rPr>
-              <a:t>c</a:t>
-            </a:r>
-            <a:r>
-              <a:rPr lang="en-US" sz="2000" dirty="0" smtClean="0">
+              <a:t> PLPTH813</a:t>
+            </a:r>
+          </a:p>
+          <a:p>
+            <a:r>
+              <a:rPr lang="en-US" sz="2000" dirty="0">
                 <a:latin typeface="Courier"/>
                 <a:cs typeface="Courier"/>
               </a:rPr>
-              <a:t>d PLPTH813</a:t>
+              <a:t>cd PLPTH813</a:t>
             </a:r>
           </a:p>
           <a:p>
@@ -8861,37 +8282,23 @@
                 <a:latin typeface="Courier"/>
                 <a:cs typeface="Courier"/>
               </a:rPr>
-              <a:t>m</a:t>
-            </a:r>
-            <a:r>
-              <a:rPr lang="en-US" sz="2000" dirty="0" err="1" smtClean="0">
-                <a:latin typeface="Courier"/>
-                <a:cs typeface="Courier"/>
-              </a:rPr>
-              <a:t>kdir</a:t>
-            </a:r>
-            <a:r>
-              <a:rPr lang="en-US" sz="2000" dirty="0" smtClean="0">
-                <a:latin typeface="Courier"/>
-                <a:cs typeface="Courier"/>
-              </a:rPr>
-              <a:t> labs</a:t>
-            </a:r>
-          </a:p>
-          <a:p>
+              <a:t>mkdir</a:t>
+            </a:r>
             <a:r>
               <a:rPr lang="en-US" sz="2000" dirty="0">
                 <a:latin typeface="Courier"/>
                 <a:cs typeface="Courier"/>
               </a:rPr>
-              <a:t>c</a:t>
-            </a:r>
-            <a:r>
-              <a:rPr lang="en-US" sz="2000" dirty="0" smtClean="0">
+              <a:t> labs</a:t>
+            </a:r>
+          </a:p>
+          <a:p>
+            <a:r>
+              <a:rPr lang="en-US" sz="2000" dirty="0">
                 <a:latin typeface="Courier"/>
                 <a:cs typeface="Courier"/>
               </a:rPr>
-              <a:t>d labs</a:t>
+              <a:t>cd labs</a:t>
             </a:r>
           </a:p>
           <a:p>
@@ -8900,26 +8307,19 @@
                 <a:latin typeface="Courier"/>
                 <a:cs typeface="Courier"/>
               </a:rPr>
-              <a:t>m</a:t>
-            </a:r>
-            <a:r>
-              <a:rPr lang="en-US" sz="2000" dirty="0" err="1" smtClean="0">
+              <a:t>mkdir</a:t>
+            </a:r>
+            <a:r>
+              <a:rPr lang="en-US" sz="2000" dirty="0">
                 <a:latin typeface="Courier"/>
                 <a:cs typeface="Courier"/>
               </a:rPr>
-              <a:t>kdir</a:t>
-            </a:r>
-            <a:r>
-              <a:rPr lang="en-US" sz="2000" dirty="0" smtClean="0">
-                <a:latin typeface="Courier"/>
-                <a:cs typeface="Courier"/>
-              </a:rPr>
               <a:t> lab02unix</a:t>
             </a:r>
           </a:p>
           <a:p>
             <a:r>
-              <a:rPr lang="en-US" sz="2000" dirty="0" smtClean="0">
+              <a:rPr lang="en-US" sz="2000" dirty="0">
                 <a:latin typeface="Courier"/>
                 <a:cs typeface="Courier"/>
               </a:rPr>
@@ -8938,14 +8338,7 @@
                 <a:latin typeface="Courier"/>
                 <a:cs typeface="Courier"/>
               </a:rPr>
-              <a:t>m</a:t>
-            </a:r>
-            <a:r>
-              <a:rPr lang="en-US" sz="2000" dirty="0" smtClean="0">
-                <a:latin typeface="Courier"/>
-                <a:cs typeface="Courier"/>
-              </a:rPr>
-              <a:t>v ~/*.txt .</a:t>
+              <a:t>mv ~/*.txt .</a:t>
             </a:r>
           </a:p>
           <a:p>
@@ -8954,33 +8347,22 @@
                 <a:latin typeface="Courier"/>
                 <a:cs typeface="Courier"/>
               </a:rPr>
-              <a:t>m</a:t>
-            </a:r>
-            <a:r>
-              <a:rPr lang="en-US" sz="2000" dirty="0" smtClean="0">
+              <a:t>mv ~/*.</a:t>
+            </a:r>
+            <a:r>
+              <a:rPr lang="en-US" sz="2000" dirty="0" err="1">
                 <a:latin typeface="Courier"/>
                 <a:cs typeface="Courier"/>
               </a:rPr>
-              <a:t>v ~/*.</a:t>
-            </a:r>
-            <a:r>
-              <a:rPr lang="en-US" sz="2000" dirty="0" err="1" smtClean="0">
+              <a:t>sh</a:t>
+            </a:r>
+            <a:r>
+              <a:rPr lang="en-US" sz="2000" dirty="0">
                 <a:latin typeface="Courier"/>
                 <a:cs typeface="Courier"/>
               </a:rPr>
-              <a:t>sh</a:t>
-            </a:r>
-            <a:r>
-              <a:rPr lang="en-US" sz="2000" dirty="0" smtClean="0">
-                <a:latin typeface="Courier"/>
-                <a:cs typeface="Courier"/>
-              </a:rPr>
               <a:t> .</a:t>
             </a:r>
-            <a:endParaRPr lang="en-US" sz="2000" dirty="0">
-              <a:latin typeface="Courier"/>
-              <a:cs typeface="Courier"/>
-            </a:endParaRPr>
           </a:p>
         </p:txBody>
       </p:sp>
@@ -8997,7 +8379,7 @@
   <p:timing>
     <p:tnLst>
       <p:par>
-        <p:cTn xmlns:p14="http://schemas.microsoft.com/office/powerpoint/2010/main" id="1" dur="indefinite" restart="never" nodeType="tmRoot">
+        <p:cTn id="1" dur="indefinite" restart="never" nodeType="tmRoot">
           <p:childTnLst>
             <p:seq concurrent="1" nextAc="seek">
               <p:cTn id="2" dur="indefinite" nodeType="mainSeq">
@@ -9109,26 +8491,22 @@
           <a:p>
             <a:r>
               <a:rPr lang="en-US" dirty="0" err="1"/>
-              <a:t>l</a:t>
-            </a:r>
-            <a:r>
-              <a:rPr lang="en-US" dirty="0" err="1" smtClean="0"/>
-              <a:t>s</a:t>
-            </a:r>
-            <a:r>
-              <a:rPr lang="en-US" dirty="0" smtClean="0"/>
+              <a:t>ls</a:t>
+            </a:r>
+            <a:r>
+              <a:rPr lang="en-US" dirty="0"/>
               <a:t>, </a:t>
             </a:r>
             <a:r>
-              <a:rPr lang="en-US" dirty="0" err="1" smtClean="0"/>
+              <a:rPr lang="en-US" dirty="0" err="1"/>
               <a:t>pwd</a:t>
             </a:r>
             <a:r>
-              <a:rPr lang="en-US" dirty="0" smtClean="0"/>
+              <a:rPr lang="en-US" dirty="0"/>
               <a:t> and </a:t>
             </a:r>
             <a:r>
-              <a:rPr lang="en-US" dirty="0" err="1" smtClean="0"/>
+              <a:rPr lang="en-US" dirty="0" err="1"/>
               <a:t>mkdir</a:t>
             </a:r>
             <a:endParaRPr lang="en-US" dirty="0"/>
@@ -9158,35 +8536,35 @@
           <a:lstStyle/>
           <a:p>
             <a:r>
-              <a:rPr lang="en-US" dirty="0" smtClean="0"/>
+              <a:rPr lang="en-US" dirty="0"/>
               <a:t>Display contents (</a:t>
             </a:r>
             <a:r>
-              <a:rPr lang="en-US" dirty="0" err="1" smtClean="0"/>
+              <a:rPr lang="en-US" dirty="0" err="1"/>
               <a:t>ls</a:t>
             </a:r>
             <a:r>
-              <a:rPr lang="en-US" dirty="0" smtClean="0"/>
+              <a:rPr lang="en-US" dirty="0"/>
               <a:t>)</a:t>
             </a:r>
           </a:p>
           <a:p>
             <a:r>
-              <a:rPr lang="en-US" dirty="0" smtClean="0"/>
+              <a:rPr lang="en-US" dirty="0"/>
               <a:t>Show working directory (</a:t>
             </a:r>
             <a:r>
-              <a:rPr lang="en-US" dirty="0" err="1" smtClean="0"/>
+              <a:rPr lang="en-US" dirty="0" err="1"/>
               <a:t>pwd</a:t>
             </a:r>
             <a:r>
-              <a:rPr lang="en-US" dirty="0" smtClean="0"/>
+              <a:rPr lang="en-US" dirty="0"/>
               <a:t>)</a:t>
             </a:r>
           </a:p>
           <a:p>
             <a:r>
-              <a:rPr lang="en-US" dirty="0" smtClean="0"/>
+              <a:rPr lang="en-US" dirty="0"/>
               <a:t>Create a new directory</a:t>
             </a:r>
           </a:p>
@@ -9194,7 +8572,7 @@
             <a:pPr marL="0" indent="0">
               <a:buNone/>
             </a:pPr>
-            <a:endParaRPr lang="en-US" dirty="0" smtClean="0"/>
+            <a:endParaRPr lang="en-US" dirty="0"/>
           </a:p>
           <a:p>
             <a:pPr marL="0" indent="0">
@@ -9202,69 +8580,65 @@
             </a:pPr>
             <a:r>
               <a:rPr lang="en-US" dirty="0" err="1"/>
-              <a:t>l</a:t>
-            </a:r>
-            <a:r>
-              <a:rPr lang="en-US" dirty="0" err="1" smtClean="0"/>
-              <a:t>s</a:t>
-            </a:r>
-            <a:endParaRPr lang="en-US" dirty="0" smtClean="0"/>
-          </a:p>
-          <a:p>
-            <a:pPr marL="0" indent="0">
-              <a:buNone/>
-            </a:pPr>
-            <a:r>
-              <a:rPr lang="en-US" dirty="0" err="1" smtClean="0"/>
+              <a:t>ls</a:t>
+            </a:r>
+            <a:endParaRPr lang="en-US" dirty="0"/>
+          </a:p>
+          <a:p>
+            <a:pPr marL="0" indent="0">
+              <a:buNone/>
+            </a:pPr>
+            <a:r>
+              <a:rPr lang="en-US" dirty="0" err="1"/>
               <a:t>pwd</a:t>
             </a:r>
-            <a:endParaRPr lang="en-US" dirty="0" smtClean="0"/>
-          </a:p>
-          <a:p>
-            <a:pPr marL="0" indent="0">
-              <a:buNone/>
-            </a:pPr>
-            <a:r>
-              <a:rPr lang="en-US" dirty="0" err="1" smtClean="0"/>
+            <a:endParaRPr lang="en-US" dirty="0"/>
+          </a:p>
+          <a:p>
+            <a:pPr marL="0" indent="0">
+              <a:buNone/>
+            </a:pPr>
+            <a:r>
+              <a:rPr lang="en-US" dirty="0" err="1"/>
               <a:t>mkdir</a:t>
             </a:r>
             <a:r>
-              <a:rPr lang="en-US" dirty="0" smtClean="0"/>
+              <a:rPr lang="en-US" dirty="0"/>
               <a:t> </a:t>
             </a:r>
             <a:r>
-              <a:rPr lang="en-US" dirty="0" err="1" smtClean="0"/>
+              <a:rPr lang="en-US" dirty="0" err="1"/>
               <a:t>unixp</a:t>
             </a:r>
-            <a:endParaRPr lang="en-US" dirty="0" smtClean="0"/>
-          </a:p>
-          <a:p>
-            <a:pPr marL="0" indent="0">
-              <a:buNone/>
-            </a:pPr>
-            <a:endParaRPr lang="en-US" dirty="0" smtClean="0"/>
-          </a:p>
-          <a:p>
-            <a:pPr marL="0" indent="0">
-              <a:buNone/>
-            </a:pPr>
-            <a:r>
-              <a:rPr lang="en-US" dirty="0" err="1" smtClean="0"/>
+            <a:endParaRPr lang="en-US" dirty="0"/>
+          </a:p>
+          <a:p>
+            <a:pPr marL="0" indent="0">
+              <a:buNone/>
+            </a:pPr>
+            <a:endParaRPr lang="en-US" dirty="0"/>
+          </a:p>
+          <a:p>
+            <a:pPr marL="0" indent="0">
+              <a:buNone/>
+            </a:pPr>
+            <a:r>
+              <a:rPr lang="en-US" dirty="0" err="1"/>
               <a:t>ls</a:t>
             </a:r>
-            <a:endParaRPr lang="en-US" dirty="0" smtClean="0"/>
-          </a:p>
-          <a:p>
-            <a:pPr marL="0" indent="0">
-              <a:buNone/>
-            </a:pPr>
-            <a:endParaRPr lang="en-US" dirty="0" smtClean="0"/>
-          </a:p>
-          <a:p>
-            <a:pPr marL="0" indent="0">
-              <a:buNone/>
-            </a:pPr>
-            <a:endParaRPr lang="en-US" dirty="0" smtClean="0"/>
+            <a:endParaRPr lang="en-US" dirty="0"/>
+          </a:p>
+          <a:p>
+            <a:pPr marL="0" indent="0">
+              <a:buNone/>
+            </a:pPr>
+            <a:endParaRPr lang="en-US" dirty="0"/>
+          </a:p>
+          <a:p>
+            <a:pPr marL="0" indent="0">
+              <a:buNone/>
+            </a:pPr>
+            <a:endParaRPr lang="en-US" dirty="0"/>
           </a:p>
           <a:p>
             <a:pPr marL="0" indent="0">
@@ -9284,13 +8658,6 @@
   <p:clrMapOvr>
     <a:masterClrMapping/>
   </p:clrMapOvr>
-  <p:timing>
-    <p:tnLst>
-      <p:par>
-        <p:cTn xmlns:p14="http://schemas.microsoft.com/office/powerpoint/2010/main" id="1" dur="indefinite" restart="never" nodeType="tmRoot"/>
-      </p:par>
-    </p:tnLst>
-  </p:timing>
 </p:sld>
 </file>
 
@@ -9327,10 +8694,9 @@
           <a:lstStyle/>
           <a:p>
             <a:r>
-              <a:rPr lang="en-US" dirty="0" smtClean="0"/>
+              <a:rPr lang="en-US" dirty="0"/>
               <a:t>Generate data through vi</a:t>
             </a:r>
-            <a:endParaRPr lang="en-US" dirty="0"/>
           </a:p>
         </p:txBody>
       </p:sp>
@@ -9362,7 +8728,7 @@
               </a:lnSpc>
             </a:pPr>
             <a:r>
-              <a:rPr lang="en-US" dirty="0" smtClean="0"/>
+              <a:rPr lang="en-US" dirty="0"/>
               <a:t>In your laptop</a:t>
             </a:r>
           </a:p>
@@ -9375,20 +8741,16 @@
               <a:buAutoNum type="arabicPeriod"/>
             </a:pPr>
             <a:r>
-              <a:rPr lang="en-US" dirty="0" smtClean="0"/>
+              <a:rPr lang="en-US" dirty="0"/>
               <a:t>download </a:t>
             </a:r>
             <a:r>
-              <a:rPr lang="en-US" dirty="0" err="1" smtClean="0"/>
+              <a:rPr lang="en-US" dirty="0" err="1"/>
               <a:t>adult.xlxs</a:t>
             </a:r>
             <a:r>
               <a:rPr lang="en-US" dirty="0"/>
-              <a:t> </a:t>
-            </a:r>
-            <a:r>
-              <a:rPr lang="en-US" dirty="0" smtClean="0"/>
-              <a:t>from</a:t>
+              <a:t> from</a:t>
             </a:r>
           </a:p>
           <a:p>
@@ -9425,14 +8787,14 @@
               <a:buAutoNum type="arabicPeriod" startAt="2"/>
             </a:pPr>
             <a:r>
-              <a:rPr lang="en-US" dirty="0" smtClean="0"/>
+              <a:rPr lang="en-US" dirty="0"/>
               <a:t>Open Excel file </a:t>
             </a:r>
             <a:r>
-              <a:rPr lang="en-US" dirty="0" err="1" smtClean="0"/>
+              <a:rPr lang="en-US" dirty="0" err="1"/>
               <a:t>adult.xlxs</a:t>
             </a:r>
-            <a:endParaRPr lang="en-US" dirty="0" smtClean="0"/>
+            <a:endParaRPr lang="en-US" dirty="0"/>
           </a:p>
           <a:p>
             <a:pPr marL="457200" indent="-457200">
@@ -9442,7 +8804,7 @@
               <a:buAutoNum type="arabicPeriod" startAt="2"/>
             </a:pPr>
             <a:r>
-              <a:rPr lang="en-US" dirty="0" smtClean="0"/>
+              <a:rPr lang="en-US" dirty="0"/>
               <a:t>Select data</a:t>
             </a:r>
           </a:p>
@@ -9454,7 +8816,7 @@
               <a:buAutoNum type="arabicPeriod" startAt="2"/>
             </a:pPr>
             <a:r>
-              <a:rPr lang="en-US" dirty="0" smtClean="0"/>
+              <a:rPr lang="en-US" dirty="0"/>
               <a:t>Copy</a:t>
             </a:r>
           </a:p>
@@ -9474,7 +8836,7 @@
               </a:lnSpc>
             </a:pPr>
             <a:r>
-              <a:rPr lang="en-US" dirty="0" smtClean="0"/>
+              <a:rPr lang="en-US" dirty="0"/>
               <a:t>In your terminal or putty</a:t>
             </a:r>
           </a:p>
@@ -9488,13 +8850,8 @@
             </a:pPr>
             <a:r>
               <a:rPr lang="en-US" dirty="0"/>
-              <a:t>vi </a:t>
-            </a:r>
-            <a:r>
-              <a:rPr lang="en-US" dirty="0" smtClean="0"/>
-              <a:t>adult1.txt</a:t>
-            </a:r>
-            <a:endParaRPr lang="en-US" dirty="0"/>
+              <a:t>vi adult1.txt</a:t>
+            </a:r>
           </a:p>
           <a:p>
             <a:pPr marL="457200" indent="-457200">
@@ -9505,7 +8862,7 @@
               <a:buAutoNum type="arabicPeriod"/>
             </a:pPr>
             <a:r>
-              <a:rPr lang="en-US" dirty="0" smtClean="0"/>
+              <a:rPr lang="en-US" dirty="0"/>
               <a:t>paste</a:t>
             </a:r>
           </a:p>
@@ -9517,7 +8874,7 @@
               <a:buAutoNum type="arabicPeriod"/>
             </a:pPr>
             <a:r>
-              <a:rPr lang="en-US" dirty="0" smtClean="0"/>
+              <a:rPr lang="en-US" dirty="0"/>
               <a:t>Save</a:t>
             </a:r>
           </a:p>
@@ -9533,13 +8890,6 @@
   <p:clrMapOvr>
     <a:masterClrMapping/>
   </p:clrMapOvr>
-  <p:timing>
-    <p:tnLst>
-      <p:par>
-        <p:cTn xmlns:p14="http://schemas.microsoft.com/office/powerpoint/2010/main" id="1" dur="indefinite" restart="never" nodeType="tmRoot"/>
-      </p:par>
-    </p:tnLst>
-  </p:timing>
 </p:sld>
 </file>
 
@@ -9576,10 +8926,9 @@
           <a:lstStyle/>
           <a:p>
             <a:r>
-              <a:rPr lang="en-US" dirty="0" smtClean="0"/>
+              <a:rPr lang="en-US" dirty="0"/>
               <a:t>cd</a:t>
             </a:r>
-            <a:endParaRPr lang="en-US" dirty="0"/>
           </a:p>
         </p:txBody>
       </p:sp>
@@ -9606,34 +8955,26 @@
           <a:lstStyle/>
           <a:p>
             <a:r>
-              <a:rPr lang="en-US" dirty="0" smtClean="0"/>
+              <a:rPr lang="en-US" dirty="0"/>
+              <a:t>cd ..</a:t>
+            </a:r>
+          </a:p>
+          <a:p>
+            <a:r>
+              <a:rPr lang="en-US" dirty="0"/>
               <a:t>cd </a:t>
             </a:r>
             <a:r>
-              <a:rPr lang="en-US" dirty="0"/>
-              <a:t>..</a:t>
-            </a:r>
-          </a:p>
-          <a:p>
-            <a:r>
-              <a:rPr lang="en-US" dirty="0"/>
-              <a:t>c</a:t>
-            </a:r>
-            <a:r>
-              <a:rPr lang="en-US" dirty="0" smtClean="0"/>
-              <a:t>d </a:t>
-            </a:r>
-            <a:r>
-              <a:rPr lang="en-US" dirty="0" err="1" smtClean="0"/>
+              <a:rPr lang="en-US" dirty="0" err="1"/>
               <a:t>unixp</a:t>
             </a:r>
-            <a:endParaRPr lang="en-US" dirty="0" smtClean="0"/>
-          </a:p>
-          <a:p>
-            <a:pPr marL="0" indent="0">
-              <a:buNone/>
-            </a:pPr>
-            <a:endParaRPr lang="en-US" dirty="0" smtClean="0"/>
+            <a:endParaRPr lang="en-US" dirty="0"/>
+          </a:p>
+          <a:p>
+            <a:pPr marL="0" indent="0">
+              <a:buNone/>
+            </a:pPr>
+            <a:endParaRPr lang="en-US" dirty="0"/>
           </a:p>
           <a:p>
             <a:pPr marL="0" indent="0">
@@ -9643,26 +8984,20 @@
               <a:rPr lang="en-US" dirty="0"/>
               <a:t># jump to user home directory</a:t>
             </a:r>
-            <a:endParaRPr lang="en-US" dirty="0" smtClean="0"/>
-          </a:p>
-          <a:p>
-            <a:r>
-              <a:rPr lang="en-US" dirty="0" smtClean="0"/>
+          </a:p>
+          <a:p>
+            <a:r>
+              <a:rPr lang="en-US" dirty="0"/>
               <a:t>cd ~</a:t>
             </a:r>
-            <a:endParaRPr lang="en-US" dirty="0"/>
           </a:p>
           <a:p>
             <a:r>
               <a:rPr lang="en-US" dirty="0"/>
-              <a:t>c</a:t>
-            </a:r>
-            <a:r>
-              <a:rPr lang="en-US" dirty="0" smtClean="0"/>
-              <a:t>d </a:t>
-            </a:r>
-            <a:r>
-              <a:rPr lang="en-US" dirty="0" err="1" smtClean="0"/>
+              <a:t>cd </a:t>
+            </a:r>
+            <a:r>
+              <a:rPr lang="en-US" dirty="0" err="1"/>
               <a:t>unixp</a:t>
             </a:r>
             <a:endParaRPr lang="en-US" dirty="0"/>
@@ -9679,13 +9014,6 @@
   <p:clrMapOvr>
     <a:masterClrMapping/>
   </p:clrMapOvr>
-  <p:timing>
-    <p:tnLst>
-      <p:par>
-        <p:cTn xmlns:p14="http://schemas.microsoft.com/office/powerpoint/2010/main" id="1" dur="indefinite" restart="never" nodeType="tmRoot"/>
-      </p:par>
-    </p:tnLst>
-  </p:timing>
 </p:sld>
 </file>
 
@@ -9732,7 +9060,7 @@
               <a:t>, mv, </a:t>
             </a:r>
             <a:r>
-              <a:rPr lang="en-US" dirty="0" err="1" smtClean="0"/>
+              <a:rPr lang="en-US" dirty="0" err="1"/>
               <a:t>rm</a:t>
             </a:r>
             <a:endParaRPr lang="en-US" dirty="0"/>
@@ -9768,28 +9096,28 @@
               <a:buNone/>
             </a:pPr>
             <a:r>
-              <a:rPr lang="en-US" sz="1800" dirty="0" err="1" smtClean="0">
+              <a:rPr lang="en-US" sz="1800" dirty="0" err="1">
                 <a:latin typeface="Courier"/>
                 <a:cs typeface="Courier"/>
               </a:rPr>
               <a:t>cp</a:t>
             </a:r>
             <a:r>
-              <a:rPr lang="en-US" sz="1800" dirty="0" smtClean="0">
+              <a:rPr lang="en-US" sz="1800" dirty="0">
                 <a:latin typeface="Courier"/>
                 <a:cs typeface="Courier"/>
               </a:rPr>
               <a:t> </a:t>
             </a:r>
             <a:r>
-              <a:rPr lang="en-US" sz="1800" dirty="0" err="1" smtClean="0">
+              <a:rPr lang="en-US" sz="1800" dirty="0" err="1">
                 <a:latin typeface="Courier"/>
                 <a:cs typeface="Courier"/>
               </a:rPr>
               <a:t>adult.txt</a:t>
             </a:r>
             <a:r>
-              <a:rPr lang="en-US" sz="1800" dirty="0" smtClean="0">
+              <a:rPr lang="en-US" sz="1800" dirty="0">
                 <a:latin typeface="Courier"/>
                 <a:cs typeface="Courier"/>
               </a:rPr>
@@ -9836,7 +9164,7 @@
               <a:t> </a:t>
             </a:r>
             <a:r>
-              <a:rPr lang="en-US" sz="1800" dirty="0" err="1" smtClean="0">
+              <a:rPr lang="en-US" sz="1800" dirty="0" err="1">
                 <a:latin typeface="Courier"/>
                 <a:cs typeface="Courier"/>
               </a:rPr>
@@ -9873,11 +9201,7 @@
           <a:p>
             <a:r>
               <a:rPr lang="en-US" sz="2400" dirty="0"/>
-              <a:t>D</a:t>
-            </a:r>
-            <a:r>
-              <a:rPr lang="en-US" sz="2400" dirty="0" smtClean="0"/>
-              <a:t>ata were stored at:</a:t>
+              <a:t>Data were stored at:</a:t>
             </a:r>
           </a:p>
           <a:p>
@@ -9889,7 +9213,7 @@
               <a:rPr lang="en-US" sz="2400" dirty="0" err="1"/>
               <a:t>cigarette_usage</a:t>
             </a:r>
-            <a:endParaRPr lang="en-US" sz="2400" dirty="0" smtClean="0"/>
+            <a:endParaRPr lang="en-US" sz="2400" dirty="0"/>
           </a:p>
         </p:txBody>
       </p:sp>
@@ -9916,25 +9240,18 @@
           <a:lstStyle/>
           <a:p>
             <a:r>
-              <a:rPr lang="en-US" dirty="0" err="1" smtClean="0">
+              <a:rPr lang="en-US" dirty="0" err="1">
                 <a:latin typeface="Courier"/>
                 <a:cs typeface="Courier"/>
               </a:rPr>
               <a:t>cp</a:t>
-            </a:r>
-            <a:r>
-              <a:rPr lang="en-US" dirty="0" smtClean="0">
-                <a:latin typeface="Courier"/>
-                <a:cs typeface="Courier"/>
-              </a:rPr>
-              <a:t>  </a:t>
             </a:r>
             <a:r>
               <a:rPr lang="en-US" dirty="0">
                 <a:latin typeface="Courier"/>
                 <a:cs typeface="Courier"/>
               </a:rPr>
-              <a:t>/homes/liu3zhen/teaching/datasets/</a:t>
+              <a:t>  /homes/liu3zhen/teaching/datasets/</a:t>
             </a:r>
             <a:r>
               <a:rPr lang="en-US" dirty="0" err="1">
@@ -9944,7 +9261,7 @@
               <a:t>cigarette_usage</a:t>
             </a:r>
             <a:r>
-              <a:rPr lang="en-US" dirty="0" smtClean="0">
+              <a:rPr lang="en-US" dirty="0">
                 <a:latin typeface="Courier"/>
                 <a:cs typeface="Courier"/>
               </a:rPr>
@@ -9953,7 +9270,7 @@
           </a:p>
           <a:p>
             <a:r>
-              <a:rPr lang="en-US" dirty="0" err="1" smtClean="0">
+              <a:rPr lang="en-US" dirty="0" err="1">
                 <a:latin typeface="Courier"/>
                 <a:cs typeface="Courier"/>
               </a:rPr>
@@ -9976,13 +9293,6 @@
   <p:clrMapOvr>
     <a:masterClrMapping/>
   </p:clrMapOvr>
-  <p:timing>
-    <p:tnLst>
-      <p:par>
-        <p:cTn xmlns:p14="http://schemas.microsoft.com/office/powerpoint/2010/main" id="1" dur="indefinite" restart="never" nodeType="tmRoot"/>
-      </p:par>
-    </p:tnLst>
-  </p:timing>
 </p:sld>
 </file>
 
@@ -10022,13 +9332,8 @@
           <a:p>
             <a:r>
               <a:rPr lang="en-US" dirty="0"/>
-              <a:t>Display </a:t>
-            </a:r>
-            <a:r>
-              <a:rPr lang="en-US" dirty="0" smtClean="0"/>
-              <a:t>content: more / less/vi</a:t>
-            </a:r>
-            <a:endParaRPr lang="en-US" dirty="0"/>
+              <a:t>Display content: more / less/vi</a:t>
+            </a:r>
           </a:p>
         </p:txBody>
       </p:sp>
@@ -10058,14 +9363,14 @@
               <a:buNone/>
             </a:pPr>
             <a:r>
-              <a:rPr lang="en-US" b="1" dirty="0" smtClean="0"/>
+              <a:rPr lang="en-US" b="1" dirty="0"/>
               <a:t>more </a:t>
             </a:r>
             <a:r>
-              <a:rPr lang="en-US" b="1" dirty="0" err="1" smtClean="0"/>
+              <a:rPr lang="en-US" b="1" dirty="0" err="1"/>
               <a:t>adult.txt</a:t>
             </a:r>
-            <a:endParaRPr lang="en-US" b="1" dirty="0" smtClean="0"/>
+            <a:endParaRPr lang="en-US" b="1" dirty="0"/>
           </a:p>
           <a:p>
             <a:pPr marL="0" indent="0">
@@ -10089,7 +9394,7 @@
               <a:buNone/>
             </a:pPr>
             <a:r>
-              <a:rPr lang="en-US" dirty="0" smtClean="0"/>
+              <a:rPr lang="en-US" dirty="0"/>
               <a:t>&lt;space&gt; to display next page</a:t>
             </a:r>
           </a:p>
@@ -10098,10 +9403,9 @@
               <a:buNone/>
             </a:pPr>
             <a:r>
-              <a:rPr lang="en-US" dirty="0" smtClean="0"/>
+              <a:rPr lang="en-US" dirty="0"/>
               <a:t>&lt;return&gt; to display next line</a:t>
             </a:r>
-            <a:endParaRPr lang="en-US" dirty="0"/>
           </a:p>
         </p:txBody>
       </p:sp>
@@ -10268,21 +9572,21 @@
               <a:buNone/>
             </a:pPr>
             <a:r>
-              <a:rPr lang="en-US" b="1" dirty="0" smtClean="0"/>
+              <a:rPr lang="en-US" b="1" dirty="0"/>
               <a:t>less </a:t>
             </a:r>
             <a:r>
-              <a:rPr lang="en-US" b="1" dirty="0" err="1" smtClean="0"/>
+              <a:rPr lang="en-US" b="1" dirty="0" err="1"/>
               <a:t>adult.txt</a:t>
             </a:r>
-            <a:endParaRPr lang="en-US" b="1" dirty="0" smtClean="0"/>
-          </a:p>
-          <a:p>
-            <a:pPr marL="0" indent="0">
-              <a:buNone/>
-            </a:pPr>
-            <a:r>
-              <a:rPr lang="en-US" sz="4000" b="1" dirty="0" smtClean="0">
+            <a:endParaRPr lang="en-US" b="1" dirty="0"/>
+          </a:p>
+          <a:p>
+            <a:pPr marL="0" indent="0">
+              <a:buNone/>
+            </a:pPr>
+            <a:r>
+              <a:rPr lang="en-US" sz="4000" b="1" dirty="0">
                 <a:solidFill>
                   <a:srgbClr val="17375E"/>
                 </a:solidFill>
@@ -10290,7 +9594,7 @@
               <a:t>/</a:t>
             </a:r>
             <a:r>
-              <a:rPr lang="en-US" dirty="0" smtClean="0"/>
+              <a:rPr lang="en-US" dirty="0"/>
               <a:t> to search forward</a:t>
             </a:r>
           </a:p>
@@ -10299,7 +9603,7 @@
               <a:buNone/>
             </a:pPr>
             <a:r>
-              <a:rPr lang="en-US" sz="4800" b="1" dirty="0" smtClean="0">
+              <a:rPr lang="en-US" sz="4800" b="1" dirty="0">
                 <a:solidFill>
                   <a:srgbClr val="17375E"/>
                 </a:solidFill>
@@ -10307,18 +9611,9 @@
               <a:t>?</a:t>
             </a:r>
             <a:r>
-              <a:rPr lang="en-US" dirty="0" smtClean="0"/>
-              <a:t> </a:t>
-            </a:r>
-            <a:r>
               <a:rPr lang="en-US" dirty="0"/>
-              <a:t>to search </a:t>
-            </a:r>
-            <a:r>
-              <a:rPr lang="en-US" dirty="0" smtClean="0"/>
-              <a:t>backward</a:t>
-            </a:r>
-            <a:endParaRPr lang="en-US" dirty="0"/>
+              <a:t> to search backward</a:t>
+            </a:r>
           </a:p>
         </p:txBody>
       </p:sp>
@@ -10332,13 +9627,6 @@
   <p:clrMapOvr>
     <a:masterClrMapping/>
   </p:clrMapOvr>
-  <p:timing>
-    <p:tnLst>
-      <p:par>
-        <p:cTn xmlns:p14="http://schemas.microsoft.com/office/powerpoint/2010/main" id="1" dur="indefinite" restart="never" nodeType="tmRoot"/>
-      </p:par>
-    </p:tnLst>
-  </p:timing>
 </p:sld>
 </file>
 
@@ -10376,13 +9664,8 @@
           <a:p>
             <a:r>
               <a:rPr lang="en-US" dirty="0"/>
-              <a:t>c</a:t>
-            </a:r>
-            <a:r>
-              <a:rPr lang="en-US" dirty="0" smtClean="0"/>
-              <a:t>at, paste</a:t>
-            </a:r>
-            <a:endParaRPr lang="en-US" dirty="0"/>
+              <a:t>cat, paste</a:t>
+            </a:r>
           </a:p>
         </p:txBody>
       </p:sp>
@@ -10409,12 +9692,8 @@
           <a:lstStyle/>
           <a:p>
             <a:r>
-              <a:rPr lang="en-US" dirty="0" smtClean="0"/>
-              <a:t>cat </a:t>
-            </a:r>
-            <a:r>
               <a:rPr lang="en-US" dirty="0"/>
-              <a:t>and "&gt;"</a:t>
+              <a:t>cat and "&gt;"</a:t>
             </a:r>
           </a:p>
           <a:p>
@@ -10426,44 +9705,40 @@
               <a:t>cat </a:t>
             </a:r>
             <a:r>
-              <a:rPr lang="en-US" sz="2000" dirty="0" err="1" smtClean="0"/>
+              <a:rPr lang="en-US" sz="2000" dirty="0" err="1"/>
               <a:t>adult.txt</a:t>
             </a:r>
             <a:r>
-              <a:rPr lang="en-US" sz="2000" dirty="0" smtClean="0"/>
+              <a:rPr lang="en-US" sz="2000" dirty="0"/>
               <a:t> </a:t>
             </a:r>
             <a:r>
-              <a:rPr lang="en-US" sz="2000" dirty="0" err="1" smtClean="0"/>
+              <a:rPr lang="en-US" sz="2000" dirty="0" err="1"/>
               <a:t>youth.txt</a:t>
             </a:r>
             <a:r>
-              <a:rPr lang="en-US" sz="2000" dirty="0" smtClean="0"/>
-              <a:t> </a:t>
-            </a:r>
-            <a:r>
               <a:rPr lang="en-US" sz="2000" dirty="0"/>
-              <a:t>&gt; </a:t>
-            </a:r>
-            <a:r>
-              <a:rPr lang="en-US" sz="2000" dirty="0" err="1" smtClean="0"/>
+              <a:t> &gt; </a:t>
+            </a:r>
+            <a:r>
+              <a:rPr lang="en-US" sz="2000" dirty="0" err="1"/>
               <a:t>two.cat.txt</a:t>
             </a:r>
-            <a:endParaRPr lang="en-US" sz="2000" dirty="0" smtClean="0"/>
-          </a:p>
-          <a:p>
-            <a:pPr marL="0" indent="0">
-              <a:buNone/>
-            </a:pPr>
-            <a:r>
-              <a:rPr lang="en-US" sz="2000" dirty="0" smtClean="0"/>
+            <a:endParaRPr lang="en-US" sz="2000" dirty="0"/>
+          </a:p>
+          <a:p>
+            <a:pPr marL="0" indent="0">
+              <a:buNone/>
+            </a:pPr>
+            <a:r>
+              <a:rPr lang="en-US" sz="2000" dirty="0"/>
               <a:t>less </a:t>
             </a:r>
             <a:r>
-              <a:rPr lang="en-US" sz="2000" dirty="0" err="1" smtClean="0"/>
+              <a:rPr lang="en-US" sz="2000" dirty="0" err="1"/>
               <a:t>two.cat.txt</a:t>
             </a:r>
-            <a:endParaRPr lang="en-US" sz="2000" dirty="0" smtClean="0"/>
+            <a:endParaRPr lang="en-US" sz="2000" dirty="0"/>
           </a:p>
           <a:p>
             <a:pPr marL="0" indent="0">
@@ -10476,10 +9751,9 @@
           </a:p>
           <a:p>
             <a:r>
-              <a:rPr lang="en-US" dirty="0" smtClean="0"/>
+              <a:rPr lang="en-US" dirty="0"/>
               <a:t>paste</a:t>
             </a:r>
-            <a:endParaRPr lang="en-US" dirty="0"/>
           </a:p>
           <a:p>
             <a:pPr marL="0" indent="0">
@@ -10490,30 +9764,26 @@
               <a:t>paste </a:t>
             </a:r>
             <a:r>
-              <a:rPr lang="en-US" sz="2000" dirty="0" err="1" smtClean="0"/>
+              <a:rPr lang="en-US" sz="2000" dirty="0" err="1"/>
               <a:t>adult.txt</a:t>
             </a:r>
             <a:r>
-              <a:rPr lang="en-US" sz="2000" dirty="0" smtClean="0"/>
+              <a:rPr lang="en-US" sz="2000" dirty="0"/>
               <a:t> </a:t>
             </a:r>
             <a:r>
-              <a:rPr lang="en-US" sz="2000" dirty="0" err="1" smtClean="0"/>
+              <a:rPr lang="en-US" sz="2000" dirty="0" err="1"/>
               <a:t>youth.txt</a:t>
             </a:r>
             <a:r>
-              <a:rPr lang="en-US" sz="2000" dirty="0" smtClean="0"/>
-              <a:t> </a:t>
-            </a:r>
-            <a:r>
               <a:rPr lang="en-US" sz="2000" dirty="0"/>
-              <a:t>&gt; </a:t>
-            </a:r>
-            <a:r>
-              <a:rPr lang="en-US" sz="2000" dirty="0" err="1" smtClean="0"/>
+              <a:t> &gt; </a:t>
+            </a:r>
+            <a:r>
+              <a:rPr lang="en-US" sz="2000" dirty="0" err="1"/>
               <a:t>two.merge.txt</a:t>
             </a:r>
-            <a:endParaRPr lang="en-US" sz="2000" dirty="0" smtClean="0"/>
+            <a:endParaRPr lang="en-US" sz="2000" dirty="0"/>
           </a:p>
           <a:p>
             <a:pPr marL="0" indent="0">
@@ -10521,14 +9791,10 @@
             </a:pPr>
             <a:r>
               <a:rPr lang="en-US" sz="2000" dirty="0"/>
-              <a:t>l</a:t>
-            </a:r>
-            <a:r>
-              <a:rPr lang="en-US" sz="2000" dirty="0" smtClean="0"/>
-              <a:t>ess </a:t>
-            </a:r>
-            <a:r>
-              <a:rPr lang="en-US" sz="2000" dirty="0" err="1" smtClean="0"/>
+              <a:t>less </a:t>
+            </a:r>
+            <a:r>
+              <a:rPr lang="en-US" sz="2000" dirty="0" err="1"/>
               <a:t>two.merge.txt</a:t>
             </a:r>
             <a:endParaRPr lang="en-US" sz="2000" dirty="0"/>
@@ -10545,13 +9811,6 @@
   <p:clrMapOvr>
     <a:masterClrMapping/>
   </p:clrMapOvr>
-  <p:timing>
-    <p:tnLst>
-      <p:par>
-        <p:cTn xmlns:p14="http://schemas.microsoft.com/office/powerpoint/2010/main" id="1" dur="indefinite" restart="never" nodeType="tmRoot"/>
-      </p:par>
-    </p:tnLst>
-  </p:timing>
 </p:sld>
 </file>
 
@@ -10588,7 +9847,7 @@
           <a:lstStyle/>
           <a:p>
             <a:r>
-              <a:rPr lang="en-US" dirty="0" err="1" smtClean="0"/>
+              <a:rPr lang="en-US" dirty="0" err="1"/>
               <a:t>wc</a:t>
             </a:r>
             <a:endParaRPr lang="en-US" dirty="0"/>
@@ -10619,33 +9878,28 @@
           <a:p>
             <a:r>
               <a:rPr lang="pl-PL" dirty="0" err="1"/>
-              <a:t>w</a:t>
-            </a:r>
-            <a:r>
-              <a:rPr lang="pl-PL" dirty="0" err="1" smtClean="0"/>
-              <a:t>c</a:t>
-            </a:r>
-            <a:r>
-              <a:rPr lang="pl-PL" dirty="0" smtClean="0"/>
+              <a:t>wc</a:t>
+            </a:r>
+            <a:r>
+              <a:rPr lang="pl-PL" dirty="0"/>
               <a:t> (lines, </a:t>
             </a:r>
             <a:r>
-              <a:rPr lang="pl-PL" dirty="0" err="1" smtClean="0"/>
+              <a:rPr lang="pl-PL" dirty="0" err="1"/>
               <a:t>words</a:t>
             </a:r>
             <a:r>
-              <a:rPr lang="pl-PL" dirty="0" smtClean="0"/>
+              <a:rPr lang="pl-PL" dirty="0"/>
               <a:t>, </a:t>
             </a:r>
             <a:r>
-              <a:rPr lang="pl-PL" dirty="0" err="1" smtClean="0"/>
+              <a:rPr lang="pl-PL" dirty="0" err="1"/>
               <a:t>bytes</a:t>
             </a:r>
             <a:r>
-              <a:rPr lang="pl-PL" dirty="0" smtClean="0"/>
+              <a:rPr lang="pl-PL" dirty="0"/>
               <a:t>)</a:t>
             </a:r>
-            <a:endParaRPr lang="pl-PL" dirty="0"/>
           </a:p>
           <a:p>
             <a:pPr marL="0" indent="0">
@@ -10660,7 +9914,7 @@
               <a:t> </a:t>
             </a:r>
             <a:r>
-              <a:rPr lang="pl-PL" dirty="0" err="1" smtClean="0"/>
+              <a:rPr lang="pl-PL" dirty="0" err="1"/>
               <a:t>adult.txt</a:t>
             </a:r>
             <a:endParaRPr lang="pl-PL" dirty="0"/>
@@ -10678,7 +9932,7 @@
               <a:t> -l </a:t>
             </a:r>
             <a:r>
-              <a:rPr lang="pl-PL" dirty="0" err="1" smtClean="0"/>
+              <a:rPr lang="pl-PL" dirty="0" err="1"/>
               <a:t>adult.txt</a:t>
             </a:r>
             <a:endParaRPr lang="pl-PL" dirty="0"/>
@@ -10696,31 +9950,27 @@
               <a:t> -l </a:t>
             </a:r>
             <a:r>
-              <a:rPr lang="pl-PL" dirty="0" err="1" smtClean="0"/>
+              <a:rPr lang="pl-PL" dirty="0" err="1"/>
               <a:t>two.cat.txt</a:t>
             </a:r>
-            <a:endParaRPr lang="pl-PL" dirty="0" smtClean="0"/>
-          </a:p>
-          <a:p>
-            <a:pPr marL="0" indent="0">
-              <a:buNone/>
-            </a:pPr>
             <a:endParaRPr lang="pl-PL" dirty="0"/>
           </a:p>
           <a:p>
             <a:pPr marL="0" indent="0">
               <a:buNone/>
             </a:pPr>
+            <a:endParaRPr lang="pl-PL" dirty="0"/>
+          </a:p>
+          <a:p>
+            <a:pPr marL="0" indent="0">
+              <a:buNone/>
+            </a:pPr>
             <a:r>
               <a:rPr lang="pl-PL" dirty="0" err="1"/>
-              <a:t>w</a:t>
-            </a:r>
-            <a:r>
-              <a:rPr lang="pl-PL" dirty="0" err="1" smtClean="0"/>
-              <a:t>c</a:t>
-            </a:r>
-            <a:r>
-              <a:rPr lang="pl-PL" dirty="0" smtClean="0"/>
+              <a:t>wc</a:t>
+            </a:r>
+            <a:r>
+              <a:rPr lang="pl-PL" dirty="0"/>
               <a:t> –L (</a:t>
             </a:r>
             <a:r>
@@ -10728,7 +9978,7 @@
               <a:t>print the length of the longest line</a:t>
             </a:r>
             <a:r>
-              <a:rPr lang="pl-PL" dirty="0" smtClean="0"/>
+              <a:rPr lang="pl-PL" dirty="0"/>
               <a:t>) </a:t>
             </a:r>
             <a:endParaRPr lang="en-US" dirty="0"/>
@@ -10745,13 +9995,6 @@
   <p:clrMapOvr>
     <a:masterClrMapping/>
   </p:clrMapOvr>
-  <p:timing>
-    <p:tnLst>
-      <p:par>
-        <p:cTn xmlns:p14="http://schemas.microsoft.com/office/powerpoint/2010/main" id="1" dur="indefinite" restart="never" nodeType="tmRoot"/>
-      </p:par>
-    </p:tnLst>
-  </p:timing>
 </p:sld>
 </file>
 
